--- a/Physiolibrary/Resources/Documentation/Physiolibrary v2.3.pptx
+++ b/Physiolibrary/Resources/Documentation/Physiolibrary v2.3.pptx
@@ -15,15 +15,16 @@
     <p:sldId id="264" r:id="rId9"/>
     <p:sldId id="282" r:id="rId10"/>
     <p:sldId id="278" r:id="rId11"/>
-    <p:sldId id="279" r:id="rId12"/>
-    <p:sldId id="281" r:id="rId13"/>
-    <p:sldId id="275" r:id="rId14"/>
-    <p:sldId id="271" r:id="rId15"/>
-    <p:sldId id="274" r:id="rId16"/>
-    <p:sldId id="287" r:id="rId17"/>
-    <p:sldId id="272" r:id="rId18"/>
-    <p:sldId id="273" r:id="rId19"/>
-    <p:sldId id="276" r:id="rId20"/>
+    <p:sldId id="281" r:id="rId12"/>
+    <p:sldId id="279" r:id="rId13"/>
+    <p:sldId id="288" r:id="rId14"/>
+    <p:sldId id="275" r:id="rId15"/>
+    <p:sldId id="271" r:id="rId16"/>
+    <p:sldId id="274" r:id="rId17"/>
+    <p:sldId id="287" r:id="rId18"/>
+    <p:sldId id="272" r:id="rId19"/>
+    <p:sldId id="273" r:id="rId20"/>
+    <p:sldId id="276" r:id="rId21"/>
   </p:sldIdLst>
   <p:sldSz cx="9144000" cy="6858000" type="screen4x3"/>
   <p:notesSz cx="6858000" cy="9144000"/>
@@ -323,7 +324,7 @@
             <a:fld id="{18A2481B-5154-415F-B752-558547769AA3}" type="datetimeFigureOut">
               <a:rPr lang="cs-CZ" smtClean="0"/>
               <a:pPr/>
-              <a:t>18. 11. 2014</a:t>
+              <a:t>19. 11. 2014</a:t>
             </a:fld>
             <a:endParaRPr lang="cs-CZ"/>
           </a:p>
@@ -490,7 +491,7 @@
             <a:fld id="{18A2481B-5154-415F-B752-558547769AA3}" type="datetimeFigureOut">
               <a:rPr lang="cs-CZ" smtClean="0"/>
               <a:pPr/>
-              <a:t>18. 11. 2014</a:t>
+              <a:t>19. 11. 2014</a:t>
             </a:fld>
             <a:endParaRPr lang="cs-CZ"/>
           </a:p>
@@ -667,7 +668,7 @@
             <a:fld id="{18A2481B-5154-415F-B752-558547769AA3}" type="datetimeFigureOut">
               <a:rPr lang="cs-CZ" smtClean="0"/>
               <a:pPr/>
-              <a:t>18. 11. 2014</a:t>
+              <a:t>19. 11. 2014</a:t>
             </a:fld>
             <a:endParaRPr lang="cs-CZ"/>
           </a:p>
@@ -834,7 +835,7 @@
             <a:fld id="{18A2481B-5154-415F-B752-558547769AA3}" type="datetimeFigureOut">
               <a:rPr lang="cs-CZ" smtClean="0"/>
               <a:pPr/>
-              <a:t>18. 11. 2014</a:t>
+              <a:t>19. 11. 2014</a:t>
             </a:fld>
             <a:endParaRPr lang="cs-CZ"/>
           </a:p>
@@ -1077,7 +1078,7 @@
             <a:fld id="{18A2481B-5154-415F-B752-558547769AA3}" type="datetimeFigureOut">
               <a:rPr lang="cs-CZ" smtClean="0"/>
               <a:pPr/>
-              <a:t>18. 11. 2014</a:t>
+              <a:t>19. 11. 2014</a:t>
             </a:fld>
             <a:endParaRPr lang="cs-CZ"/>
           </a:p>
@@ -1362,7 +1363,7 @@
             <a:fld id="{18A2481B-5154-415F-B752-558547769AA3}" type="datetimeFigureOut">
               <a:rPr lang="cs-CZ" smtClean="0"/>
               <a:pPr/>
-              <a:t>18. 11. 2014</a:t>
+              <a:t>19. 11. 2014</a:t>
             </a:fld>
             <a:endParaRPr lang="cs-CZ"/>
           </a:p>
@@ -1781,7 +1782,7 @@
             <a:fld id="{18A2481B-5154-415F-B752-558547769AA3}" type="datetimeFigureOut">
               <a:rPr lang="cs-CZ" smtClean="0"/>
               <a:pPr/>
-              <a:t>18. 11. 2014</a:t>
+              <a:t>19. 11. 2014</a:t>
             </a:fld>
             <a:endParaRPr lang="cs-CZ"/>
           </a:p>
@@ -1896,7 +1897,7 @@
             <a:fld id="{18A2481B-5154-415F-B752-558547769AA3}" type="datetimeFigureOut">
               <a:rPr lang="cs-CZ" smtClean="0"/>
               <a:pPr/>
-              <a:t>18. 11. 2014</a:t>
+              <a:t>19. 11. 2014</a:t>
             </a:fld>
             <a:endParaRPr lang="cs-CZ"/>
           </a:p>
@@ -1988,7 +1989,7 @@
             <a:fld id="{18A2481B-5154-415F-B752-558547769AA3}" type="datetimeFigureOut">
               <a:rPr lang="cs-CZ" smtClean="0"/>
               <a:pPr/>
-              <a:t>18. 11. 2014</a:t>
+              <a:t>19. 11. 2014</a:t>
             </a:fld>
             <a:endParaRPr lang="cs-CZ"/>
           </a:p>
@@ -2262,7 +2263,7 @@
             <a:fld id="{18A2481B-5154-415F-B752-558547769AA3}" type="datetimeFigureOut">
               <a:rPr lang="cs-CZ" smtClean="0"/>
               <a:pPr/>
-              <a:t>18. 11. 2014</a:t>
+              <a:t>19. 11. 2014</a:t>
             </a:fld>
             <a:endParaRPr lang="cs-CZ"/>
           </a:p>
@@ -2512,7 +2513,7 @@
             <a:fld id="{18A2481B-5154-415F-B752-558547769AA3}" type="datetimeFigureOut">
               <a:rPr lang="cs-CZ" smtClean="0"/>
               <a:pPr/>
-              <a:t>18. 11. 2014</a:t>
+              <a:t>19. 11. 2014</a:t>
             </a:fld>
             <a:endParaRPr lang="cs-CZ"/>
           </a:p>
@@ -2722,7 +2723,7 @@
             <a:fld id="{18A2481B-5154-415F-B752-558547769AA3}" type="datetimeFigureOut">
               <a:rPr lang="cs-CZ" smtClean="0"/>
               <a:pPr/>
-              <a:t>18. 11. 2014</a:t>
+              <a:t>19. 11. 2014</a:t>
             </a:fld>
             <a:endParaRPr lang="cs-CZ"/>
           </a:p>
@@ -3343,7 +3344,7 @@
       </p:pic>
       <p:pic>
         <p:nvPicPr>
-          <p:cNvPr id="3" name="Obrázek 2"/>
+          <p:cNvPr id="4" name="Obrázek 3"/>
           <p:cNvPicPr>
             <a:picLocks noChangeAspect="1"/>
           </p:cNvPicPr>
@@ -3357,8 +3358,8 @@
         </p:blipFill>
         <p:spPr>
           <a:xfrm>
-            <a:off x="1222644" y="1268115"/>
-            <a:ext cx="6805740" cy="5407411"/>
+            <a:off x="1187624" y="1281619"/>
+            <a:ext cx="6818337" cy="5417420"/>
           </a:xfrm>
           <a:prstGeom prst="rect">
             <a:avLst/>
@@ -3454,7 +3455,7 @@
       </p:pic>
       <p:pic>
         <p:nvPicPr>
-          <p:cNvPr id="4" name="Obrázek 3"/>
+          <p:cNvPr id="3" name="Obrázek 2"/>
           <p:cNvPicPr>
             <a:picLocks noChangeAspect="1"/>
           </p:cNvPicPr>
@@ -3468,8 +3469,8 @@
         </p:blipFill>
         <p:spPr>
           <a:xfrm>
-            <a:off x="1187624" y="1281619"/>
-            <a:ext cx="6818337" cy="5417420"/>
+            <a:off x="1222644" y="1268115"/>
+            <a:ext cx="6805740" cy="5407411"/>
           </a:xfrm>
           <a:prstGeom prst="rect">
             <a:avLst/>
@@ -3492,425 +3493,6 @@
 </file>
 
 <file path=ppt/slides/slide13.xml><?xml version="1.0" encoding="utf-8"?>
-<p:sld xmlns:a="http://schemas.openxmlformats.org/drawingml/2006/main" xmlns:r="http://schemas.openxmlformats.org/officeDocument/2006/relationships" xmlns:p="http://schemas.openxmlformats.org/presentationml/2006/main" show="0">
-  <p:cSld>
-    <p:spTree>
-      <p:nvGrpSpPr>
-        <p:cNvPr id="1" name=""/>
-        <p:cNvGrpSpPr/>
-        <p:nvPr/>
-      </p:nvGrpSpPr>
-      <p:grpSpPr>
-        <a:xfrm>
-          <a:off x="0" y="0"/>
-          <a:ext cx="0" cy="0"/>
-          <a:chOff x="0" y="0"/>
-          <a:chExt cx="0" cy="0"/>
-        </a:xfrm>
-      </p:grpSpPr>
-      <p:sp>
-        <p:nvSpPr>
-          <p:cNvPr id="2" name="Nadpis 1"/>
-          <p:cNvSpPr>
-            <a:spLocks noGrp="1"/>
-          </p:cNvSpPr>
-          <p:nvPr>
-            <p:ph type="title"/>
-          </p:nvPr>
-        </p:nvSpPr>
-        <p:spPr/>
-        <p:txBody>
-          <a:bodyPr/>
-          <a:lstStyle/>
-          <a:p>
-            <a:r>
-              <a:rPr lang="en-US" dirty="0" smtClean="0"/>
-              <a:t>STEADY STATES</a:t>
-            </a:r>
-            <a:endParaRPr lang="cs-CZ" dirty="0"/>
-          </a:p>
-        </p:txBody>
-      </p:sp>
-      <p:sp>
-        <p:nvSpPr>
-          <p:cNvPr id="3" name="Zástupný symbol pro obsah 2"/>
-          <p:cNvSpPr>
-            <a:spLocks noGrp="1"/>
-          </p:cNvSpPr>
-          <p:nvPr>
-            <p:ph idx="1"/>
-          </p:nvPr>
-        </p:nvSpPr>
-        <p:spPr>
-          <a:xfrm>
-            <a:off x="467544" y="1340768"/>
-            <a:ext cx="8229600" cy="4525963"/>
-          </a:xfrm>
-        </p:spPr>
-        <p:txBody>
-          <a:bodyPr/>
-          <a:lstStyle/>
-          <a:p>
-            <a:r>
-              <a:rPr lang="en-US" dirty="0" smtClean="0"/>
-              <a:t>Zero derivations (</a:t>
-            </a:r>
-            <a:r>
-              <a:rPr lang="en-US" i="1" dirty="0" smtClean="0"/>
-              <a:t>dependent equation set</a:t>
-            </a:r>
-            <a:r>
-              <a:rPr lang="en-US" dirty="0" smtClean="0"/>
-              <a:t>)</a:t>
-            </a:r>
-          </a:p>
-        </p:txBody>
-      </p:sp>
-      <p:pic>
-        <p:nvPicPr>
-          <p:cNvPr id="11266" name="Picture 2"/>
-          <p:cNvPicPr>
-            <a:picLocks noChangeAspect="1" noChangeArrowheads="1"/>
-          </p:cNvPicPr>
-          <p:nvPr/>
-        </p:nvPicPr>
-        <p:blipFill>
-          <a:blip r:embed="rId2" cstate="print"/>
-          <a:srcRect/>
-          <a:stretch>
-            <a:fillRect/>
-          </a:stretch>
-        </p:blipFill>
-        <p:spPr bwMode="auto">
-          <a:xfrm>
-            <a:off x="251520" y="3645371"/>
-            <a:ext cx="5476875" cy="2447925"/>
-          </a:xfrm>
-          <a:prstGeom prst="rect">
-            <a:avLst/>
-          </a:prstGeom>
-          <a:noFill/>
-          <a:ln w="9525">
-            <a:noFill/>
-            <a:miter lim="800000"/>
-            <a:headEnd/>
-            <a:tailEnd/>
-          </a:ln>
-        </p:spPr>
-      </p:pic>
-      <p:pic>
-        <p:nvPicPr>
-          <p:cNvPr id="11268" name="Picture 4"/>
-          <p:cNvPicPr>
-            <a:picLocks noChangeAspect="1" noChangeArrowheads="1"/>
-          </p:cNvPicPr>
-          <p:nvPr/>
-        </p:nvPicPr>
-        <p:blipFill>
-          <a:blip r:embed="rId3" cstate="print"/>
-          <a:srcRect/>
-          <a:stretch>
-            <a:fillRect/>
-          </a:stretch>
-        </p:blipFill>
-        <p:spPr bwMode="auto">
-          <a:xfrm>
-            <a:off x="395536" y="2277219"/>
-            <a:ext cx="3067050" cy="1133475"/>
-          </a:xfrm>
-          <a:prstGeom prst="rect">
-            <a:avLst/>
-          </a:prstGeom>
-          <a:noFill/>
-          <a:ln w="9525">
-            <a:noFill/>
-            <a:miter lim="800000"/>
-            <a:headEnd/>
-            <a:tailEnd/>
-          </a:ln>
-        </p:spPr>
-      </p:pic>
-      <p:pic>
-        <p:nvPicPr>
-          <p:cNvPr id="11269" name="Picture 5"/>
-          <p:cNvPicPr>
-            <a:picLocks noChangeAspect="1" noChangeArrowheads="1"/>
-          </p:cNvPicPr>
-          <p:nvPr/>
-        </p:nvPicPr>
-        <p:blipFill>
-          <a:blip r:embed="rId4" cstate="print"/>
-          <a:srcRect/>
-          <a:stretch>
-            <a:fillRect/>
-          </a:stretch>
-        </p:blipFill>
-        <p:spPr bwMode="auto">
-          <a:xfrm>
-            <a:off x="4283968" y="2133203"/>
-            <a:ext cx="3086100" cy="1114425"/>
-          </a:xfrm>
-          <a:prstGeom prst="rect">
-            <a:avLst/>
-          </a:prstGeom>
-          <a:noFill/>
-          <a:ln w="9525">
-            <a:noFill/>
-            <a:miter lim="800000"/>
-            <a:headEnd/>
-            <a:tailEnd/>
-          </a:ln>
-        </p:spPr>
-      </p:pic>
-      <p:sp>
-        <p:nvSpPr>
-          <p:cNvPr id="8" name="Šrafovaná šipka doprava 7"/>
-          <p:cNvSpPr/>
-          <p:nvPr/>
-        </p:nvSpPr>
-        <p:spPr>
-          <a:xfrm rot="6360321">
-            <a:off x="320942" y="4005626"/>
-            <a:ext cx="1483273" cy="236173"/>
-          </a:xfrm>
-          <a:prstGeom prst="stripedRightArrow">
-            <a:avLst/>
-          </a:prstGeom>
-        </p:spPr>
-        <p:style>
-          <a:lnRef idx="2">
-            <a:schemeClr val="accent1">
-              <a:shade val="50000"/>
-            </a:schemeClr>
-          </a:lnRef>
-          <a:fillRef idx="1">
-            <a:schemeClr val="accent1"/>
-          </a:fillRef>
-          <a:effectRef idx="0">
-            <a:schemeClr val="accent1"/>
-          </a:effectRef>
-          <a:fontRef idx="minor">
-            <a:schemeClr val="lt1"/>
-          </a:fontRef>
-        </p:style>
-        <p:txBody>
-          <a:bodyPr rtlCol="0" anchor="ctr"/>
-          <a:lstStyle/>
-          <a:p>
-            <a:pPr algn="ctr"/>
-            <a:endParaRPr lang="cs-CZ"/>
-          </a:p>
-        </p:txBody>
-      </p:sp>
-      <p:sp>
-        <p:nvSpPr>
-          <p:cNvPr id="9" name="Šrafovaná šipka doprava 8"/>
-          <p:cNvSpPr/>
-          <p:nvPr/>
-        </p:nvSpPr>
-        <p:spPr>
-          <a:xfrm rot="6854150">
-            <a:off x="3313247" y="4116860"/>
-            <a:ext cx="1669717" cy="213844"/>
-          </a:xfrm>
-          <a:prstGeom prst="stripedRightArrow">
-            <a:avLst/>
-          </a:prstGeom>
-        </p:spPr>
-        <p:style>
-          <a:lnRef idx="2">
-            <a:schemeClr val="accent1">
-              <a:shade val="50000"/>
-            </a:schemeClr>
-          </a:lnRef>
-          <a:fillRef idx="1">
-            <a:schemeClr val="accent1"/>
-          </a:fillRef>
-          <a:effectRef idx="0">
-            <a:schemeClr val="accent1"/>
-          </a:effectRef>
-          <a:fontRef idx="minor">
-            <a:schemeClr val="lt1"/>
-          </a:fontRef>
-        </p:style>
-        <p:txBody>
-          <a:bodyPr rtlCol="0" anchor="ctr"/>
-          <a:lstStyle/>
-          <a:p>
-            <a:pPr algn="ctr"/>
-            <a:endParaRPr lang="cs-CZ"/>
-          </a:p>
-        </p:txBody>
-      </p:sp>
-      <p:sp>
-        <p:nvSpPr>
-          <p:cNvPr id="10" name="Šrafovaná šipka doprava 9"/>
-          <p:cNvSpPr/>
-          <p:nvPr/>
-        </p:nvSpPr>
-        <p:spPr>
-          <a:xfrm rot="7896606">
-            <a:off x="3916448" y="3475943"/>
-            <a:ext cx="544053" cy="224442"/>
-          </a:xfrm>
-          <a:prstGeom prst="stripedRightArrow">
-            <a:avLst/>
-          </a:prstGeom>
-        </p:spPr>
-        <p:style>
-          <a:lnRef idx="2">
-            <a:schemeClr val="accent1">
-              <a:shade val="50000"/>
-            </a:schemeClr>
-          </a:lnRef>
-          <a:fillRef idx="1">
-            <a:schemeClr val="accent1"/>
-          </a:fillRef>
-          <a:effectRef idx="0">
-            <a:schemeClr val="accent1"/>
-          </a:effectRef>
-          <a:fontRef idx="minor">
-            <a:schemeClr val="lt1"/>
-          </a:fontRef>
-        </p:style>
-        <p:txBody>
-          <a:bodyPr rtlCol="0" anchor="ctr"/>
-          <a:lstStyle/>
-          <a:p>
-            <a:pPr algn="ctr"/>
-            <a:endParaRPr lang="cs-CZ"/>
-          </a:p>
-        </p:txBody>
-      </p:sp>
-      <p:pic>
-        <p:nvPicPr>
-          <p:cNvPr id="11271" name="Picture 7"/>
-          <p:cNvPicPr>
-            <a:picLocks noChangeAspect="1" noChangeArrowheads="1"/>
-          </p:cNvPicPr>
-          <p:nvPr/>
-        </p:nvPicPr>
-        <p:blipFill>
-          <a:blip r:embed="rId5" cstate="print"/>
-          <a:srcRect/>
-          <a:stretch>
-            <a:fillRect/>
-          </a:stretch>
-        </p:blipFill>
-        <p:spPr bwMode="auto">
-          <a:xfrm>
-            <a:off x="6156176" y="4221088"/>
-            <a:ext cx="2724150" cy="847725"/>
-          </a:xfrm>
-          <a:prstGeom prst="rect">
-            <a:avLst/>
-          </a:prstGeom>
-          <a:noFill/>
-          <a:ln w="9525">
-            <a:noFill/>
-            <a:miter lim="800000"/>
-            <a:headEnd/>
-            <a:tailEnd/>
-          </a:ln>
-        </p:spPr>
-      </p:pic>
-      <p:sp>
-        <p:nvSpPr>
-          <p:cNvPr id="13" name="Šrafovaná šipka doprava 12"/>
-          <p:cNvSpPr/>
-          <p:nvPr/>
-        </p:nvSpPr>
-        <p:spPr>
-          <a:xfrm rot="12798529">
-            <a:off x="5514223" y="4154020"/>
-            <a:ext cx="604164" cy="206143"/>
-          </a:xfrm>
-          <a:prstGeom prst="stripedRightArrow">
-            <a:avLst/>
-          </a:prstGeom>
-        </p:spPr>
-        <p:style>
-          <a:lnRef idx="2">
-            <a:schemeClr val="accent1">
-              <a:shade val="50000"/>
-            </a:schemeClr>
-          </a:lnRef>
-          <a:fillRef idx="1">
-            <a:schemeClr val="accent1"/>
-          </a:fillRef>
-          <a:effectRef idx="0">
-            <a:schemeClr val="accent1"/>
-          </a:effectRef>
-          <a:fontRef idx="minor">
-            <a:schemeClr val="lt1"/>
-          </a:fontRef>
-        </p:style>
-        <p:txBody>
-          <a:bodyPr rtlCol="0" anchor="ctr"/>
-          <a:lstStyle/>
-          <a:p>
-            <a:pPr algn="ctr"/>
-            <a:endParaRPr lang="cs-CZ"/>
-          </a:p>
-        </p:txBody>
-      </p:sp>
-      <p:sp>
-        <p:nvSpPr>
-          <p:cNvPr id="14" name="Šrafovaná šipka doprava 13"/>
-          <p:cNvSpPr/>
-          <p:nvPr/>
-        </p:nvSpPr>
-        <p:spPr>
-          <a:xfrm rot="8287270">
-            <a:off x="5499746" y="5044488"/>
-            <a:ext cx="604164" cy="206143"/>
-          </a:xfrm>
-          <a:prstGeom prst="stripedRightArrow">
-            <a:avLst/>
-          </a:prstGeom>
-        </p:spPr>
-        <p:style>
-          <a:lnRef idx="2">
-            <a:schemeClr val="accent1">
-              <a:shade val="50000"/>
-            </a:schemeClr>
-          </a:lnRef>
-          <a:fillRef idx="1">
-            <a:schemeClr val="accent1"/>
-          </a:fillRef>
-          <a:effectRef idx="0">
-            <a:schemeClr val="accent1"/>
-          </a:effectRef>
-          <a:fontRef idx="minor">
-            <a:schemeClr val="lt1"/>
-          </a:fontRef>
-        </p:style>
-        <p:txBody>
-          <a:bodyPr rtlCol="0" anchor="ctr"/>
-          <a:lstStyle/>
-          <a:p>
-            <a:pPr algn="ctr"/>
-            <a:endParaRPr lang="cs-CZ"/>
-          </a:p>
-        </p:txBody>
-      </p:sp>
-    </p:spTree>
-  </p:cSld>
-  <p:clrMapOvr>
-    <a:masterClrMapping/>
-  </p:clrMapOvr>
-  <p:transition/>
-  <p:timing>
-    <p:tnLst>
-      <p:par>
-        <p:cTn id="1" dur="indefinite" restart="never" nodeType="tmRoot"/>
-      </p:par>
-    </p:tnLst>
-  </p:timing>
-</p:sld>
-</file>
-
-<file path=ppt/slides/slide14.xml><?xml version="1.0" encoding="utf-8"?>
 <p:sld xmlns:a="http://schemas.openxmlformats.org/drawingml/2006/main" xmlns:r="http://schemas.openxmlformats.org/officeDocument/2006/relationships" xmlns:p="http://schemas.openxmlformats.org/presentationml/2006/main">
   <p:cSld>
     <p:spTree>
@@ -3929,7 +3511,244 @@
       </p:grpSpPr>
       <p:pic>
         <p:nvPicPr>
-          <p:cNvPr id="8195" name="Picture 3"/>
+          <p:cNvPr id="4" name="Obrázek 3"/>
+          <p:cNvPicPr>
+            <a:picLocks noChangeAspect="1"/>
+          </p:cNvPicPr>
+          <p:nvPr/>
+        </p:nvPicPr>
+        <p:blipFill rotWithShape="1">
+          <a:blip r:embed="rId2"/>
+          <a:srcRect r="12376"/>
+          <a:stretch/>
+        </p:blipFill>
+        <p:spPr>
+          <a:xfrm>
+            <a:off x="1151756" y="1459966"/>
+            <a:ext cx="5508476" cy="647700"/>
+          </a:xfrm>
+          <a:prstGeom prst="rect">
+            <a:avLst/>
+          </a:prstGeom>
+        </p:spPr>
+      </p:pic>
+      <p:pic>
+        <p:nvPicPr>
+          <p:cNvPr id="8" name="Obrázek 7"/>
+          <p:cNvPicPr>
+            <a:picLocks noChangeAspect="1"/>
+          </p:cNvPicPr>
+          <p:nvPr/>
+        </p:nvPicPr>
+        <p:blipFill>
+          <a:blip r:embed="rId3"/>
+          <a:stretch>
+            <a:fillRect/>
+          </a:stretch>
+        </p:blipFill>
+        <p:spPr>
+          <a:xfrm>
+            <a:off x="3419872" y="2381058"/>
+            <a:ext cx="4733925" cy="2571750"/>
+          </a:xfrm>
+          <a:prstGeom prst="rect">
+            <a:avLst/>
+          </a:prstGeom>
+        </p:spPr>
+      </p:pic>
+      <p:sp>
+        <p:nvSpPr>
+          <p:cNvPr id="2" name="Nadpis 1"/>
+          <p:cNvSpPr>
+            <a:spLocks noGrp="1"/>
+          </p:cNvSpPr>
+          <p:nvPr>
+            <p:ph type="title"/>
+          </p:nvPr>
+        </p:nvSpPr>
+        <p:spPr/>
+        <p:txBody>
+          <a:bodyPr/>
+          <a:lstStyle/>
+          <a:p>
+            <a:r>
+              <a:rPr lang="cs-CZ" dirty="0" smtClean="0"/>
+              <a:t>ARRAY</a:t>
+            </a:r>
+            <a:r>
+              <a:rPr lang="en-US" dirty="0" smtClean="0"/>
+              <a:t> </a:t>
+            </a:r>
+            <a:r>
+              <a:rPr lang="en-US" dirty="0" smtClean="0"/>
+              <a:t>INPUTS</a:t>
+            </a:r>
+            <a:endParaRPr lang="cs-CZ" dirty="0"/>
+          </a:p>
+        </p:txBody>
+      </p:sp>
+      <p:sp>
+        <p:nvSpPr>
+          <p:cNvPr id="11" name="Šrafovaná šipka doprava 10"/>
+          <p:cNvSpPr/>
+          <p:nvPr/>
+        </p:nvSpPr>
+        <p:spPr>
+          <a:xfrm rot="1939625">
+            <a:off x="4510863" y="2287947"/>
+            <a:ext cx="1518663" cy="432048"/>
+          </a:xfrm>
+          <a:prstGeom prst="stripedRightArrow">
+            <a:avLst/>
+          </a:prstGeom>
+        </p:spPr>
+        <p:style>
+          <a:lnRef idx="2">
+            <a:schemeClr val="accent1">
+              <a:shade val="50000"/>
+            </a:schemeClr>
+          </a:lnRef>
+          <a:fillRef idx="1">
+            <a:schemeClr val="accent1"/>
+          </a:fillRef>
+          <a:effectRef idx="0">
+            <a:schemeClr val="accent1"/>
+          </a:effectRef>
+          <a:fontRef idx="minor">
+            <a:schemeClr val="lt1"/>
+          </a:fontRef>
+        </p:style>
+        <p:txBody>
+          <a:bodyPr rtlCol="0" anchor="ctr"/>
+          <a:lstStyle/>
+          <a:p>
+            <a:pPr algn="ctr"/>
+            <a:endParaRPr lang="cs-CZ"/>
+          </a:p>
+        </p:txBody>
+      </p:sp>
+      <p:pic>
+        <p:nvPicPr>
+          <p:cNvPr id="7" name="Obrázek 6"/>
+          <p:cNvPicPr>
+            <a:picLocks noChangeAspect="1"/>
+          </p:cNvPicPr>
+          <p:nvPr/>
+        </p:nvPicPr>
+        <p:blipFill>
+          <a:blip r:embed="rId4"/>
+          <a:stretch>
+            <a:fillRect/>
+          </a:stretch>
+        </p:blipFill>
+        <p:spPr>
+          <a:xfrm>
+            <a:off x="107504" y="4077072"/>
+            <a:ext cx="5962650" cy="2686050"/>
+          </a:xfrm>
+          <a:prstGeom prst="rect">
+            <a:avLst/>
+          </a:prstGeom>
+        </p:spPr>
+      </p:pic>
+    </p:spTree>
+    <p:extLst>
+      <p:ext uri="{BB962C8B-B14F-4D97-AF65-F5344CB8AC3E}">
+        <p14:creationId xmlns:p14="http://schemas.microsoft.com/office/powerpoint/2010/main" val="434248841"/>
+      </p:ext>
+    </p:extLst>
+  </p:cSld>
+  <p:clrMapOvr>
+    <a:masterClrMapping/>
+  </p:clrMapOvr>
+  <p:timing>
+    <p:tnLst>
+      <p:par>
+        <p:cTn id="1" dur="indefinite" restart="never" nodeType="tmRoot"/>
+      </p:par>
+    </p:tnLst>
+  </p:timing>
+</p:sld>
+</file>
+
+<file path=ppt/slides/slide14.xml><?xml version="1.0" encoding="utf-8"?>
+<p:sld xmlns:a="http://schemas.openxmlformats.org/drawingml/2006/main" xmlns:r="http://schemas.openxmlformats.org/officeDocument/2006/relationships" xmlns:p="http://schemas.openxmlformats.org/presentationml/2006/main" show="0">
+  <p:cSld>
+    <p:spTree>
+      <p:nvGrpSpPr>
+        <p:cNvPr id="1" name=""/>
+        <p:cNvGrpSpPr/>
+        <p:nvPr/>
+      </p:nvGrpSpPr>
+      <p:grpSpPr>
+        <a:xfrm>
+          <a:off x="0" y="0"/>
+          <a:ext cx="0" cy="0"/>
+          <a:chOff x="0" y="0"/>
+          <a:chExt cx="0" cy="0"/>
+        </a:xfrm>
+      </p:grpSpPr>
+      <p:sp>
+        <p:nvSpPr>
+          <p:cNvPr id="2" name="Nadpis 1"/>
+          <p:cNvSpPr>
+            <a:spLocks noGrp="1"/>
+          </p:cNvSpPr>
+          <p:nvPr>
+            <p:ph type="title"/>
+          </p:nvPr>
+        </p:nvSpPr>
+        <p:spPr/>
+        <p:txBody>
+          <a:bodyPr/>
+          <a:lstStyle/>
+          <a:p>
+            <a:r>
+              <a:rPr lang="en-US" dirty="0" smtClean="0"/>
+              <a:t>STEADY STATES</a:t>
+            </a:r>
+            <a:endParaRPr lang="cs-CZ" dirty="0"/>
+          </a:p>
+        </p:txBody>
+      </p:sp>
+      <p:sp>
+        <p:nvSpPr>
+          <p:cNvPr id="3" name="Zástupný symbol pro obsah 2"/>
+          <p:cNvSpPr>
+            <a:spLocks noGrp="1"/>
+          </p:cNvSpPr>
+          <p:nvPr>
+            <p:ph idx="1"/>
+          </p:nvPr>
+        </p:nvSpPr>
+        <p:spPr>
+          <a:xfrm>
+            <a:off x="467544" y="1340768"/>
+            <a:ext cx="8229600" cy="4525963"/>
+          </a:xfrm>
+        </p:spPr>
+        <p:txBody>
+          <a:bodyPr/>
+          <a:lstStyle/>
+          <a:p>
+            <a:r>
+              <a:rPr lang="en-US" dirty="0" smtClean="0"/>
+              <a:t>Zero derivations (</a:t>
+            </a:r>
+            <a:r>
+              <a:rPr lang="en-US" i="1" dirty="0" smtClean="0"/>
+              <a:t>dependent equation set</a:t>
+            </a:r>
+            <a:r>
+              <a:rPr lang="en-US" dirty="0" smtClean="0"/>
+              <a:t>)</a:t>
+            </a:r>
+          </a:p>
+        </p:txBody>
+      </p:sp>
+      <p:pic>
+        <p:nvPicPr>
+          <p:cNvPr id="11266" name="Picture 2"/>
           <p:cNvPicPr>
             <a:picLocks noChangeAspect="1" noChangeArrowheads="1"/>
           </p:cNvPicPr>
@@ -3944,8 +3763,8 @@
         </p:blipFill>
         <p:spPr bwMode="auto">
           <a:xfrm>
-            <a:off x="3635896" y="1628800"/>
-            <a:ext cx="4486834" cy="5044822"/>
+            <a:off x="251520" y="3645371"/>
+            <a:ext cx="5476875" cy="2447925"/>
           </a:xfrm>
           <a:prstGeom prst="rect">
             <a:avLst/>
@@ -3959,63 +3778,308 @@
           </a:ln>
         </p:spPr>
       </p:pic>
-      <p:sp>
-        <p:nvSpPr>
-          <p:cNvPr id="4" name="Nadpis 1"/>
-          <p:cNvSpPr>
-            <a:spLocks noGrp="1"/>
-          </p:cNvSpPr>
-          <p:nvPr>
-            <p:ph type="title"/>
-          </p:nvPr>
-        </p:nvSpPr>
-        <p:spPr>
-          <a:xfrm>
-            <a:off x="2339752" y="274638"/>
-            <a:ext cx="6347048" cy="1143000"/>
-          </a:xfrm>
-        </p:spPr>
-        <p:txBody>
-          <a:bodyPr/>
-          <a:lstStyle/>
-          <a:p>
-            <a:r>
-              <a:rPr lang="en-US" dirty="0" smtClean="0"/>
-              <a:t>Hydraulic</a:t>
-            </a:r>
-            <a:endParaRPr lang="cs-CZ" dirty="0"/>
-          </a:p>
-        </p:txBody>
-      </p:sp>
       <p:pic>
         <p:nvPicPr>
-          <p:cNvPr id="2" name="Obrázek 1"/>
+          <p:cNvPr id="11268" name="Picture 4"/>
           <p:cNvPicPr>
-            <a:picLocks noChangeAspect="1"/>
+            <a:picLocks noChangeAspect="1" noChangeArrowheads="1"/>
           </p:cNvPicPr>
           <p:nvPr/>
         </p:nvPicPr>
         <p:blipFill>
-          <a:blip r:embed="rId3"/>
+          <a:blip r:embed="rId3" cstate="print"/>
+          <a:srcRect/>
           <a:stretch>
             <a:fillRect/>
           </a:stretch>
         </p:blipFill>
-        <p:spPr>
-          <a:xfrm>
-            <a:off x="323528" y="188640"/>
-            <a:ext cx="2448272" cy="6579006"/>
+        <p:spPr bwMode="auto">
+          <a:xfrm>
+            <a:off x="395536" y="2277219"/>
+            <a:ext cx="3067050" cy="1133475"/>
           </a:xfrm>
           <a:prstGeom prst="rect">
             <a:avLst/>
           </a:prstGeom>
+          <a:noFill/>
+          <a:ln w="9525">
+            <a:noFill/>
+            <a:miter lim="800000"/>
+            <a:headEnd/>
+            <a:tailEnd/>
+          </a:ln>
         </p:spPr>
       </p:pic>
+      <p:pic>
+        <p:nvPicPr>
+          <p:cNvPr id="11269" name="Picture 5"/>
+          <p:cNvPicPr>
+            <a:picLocks noChangeAspect="1" noChangeArrowheads="1"/>
+          </p:cNvPicPr>
+          <p:nvPr/>
+        </p:nvPicPr>
+        <p:blipFill>
+          <a:blip r:embed="rId4" cstate="print"/>
+          <a:srcRect/>
+          <a:stretch>
+            <a:fillRect/>
+          </a:stretch>
+        </p:blipFill>
+        <p:spPr bwMode="auto">
+          <a:xfrm>
+            <a:off x="4283968" y="2133203"/>
+            <a:ext cx="3086100" cy="1114425"/>
+          </a:xfrm>
+          <a:prstGeom prst="rect">
+            <a:avLst/>
+          </a:prstGeom>
+          <a:noFill/>
+          <a:ln w="9525">
+            <a:noFill/>
+            <a:miter lim="800000"/>
+            <a:headEnd/>
+            <a:tailEnd/>
+          </a:ln>
+        </p:spPr>
+      </p:pic>
+      <p:sp>
+        <p:nvSpPr>
+          <p:cNvPr id="8" name="Šrafovaná šipka doprava 7"/>
+          <p:cNvSpPr/>
+          <p:nvPr/>
+        </p:nvSpPr>
+        <p:spPr>
+          <a:xfrm rot="6360321">
+            <a:off x="320942" y="4005626"/>
+            <a:ext cx="1483273" cy="236173"/>
+          </a:xfrm>
+          <a:prstGeom prst="stripedRightArrow">
+            <a:avLst/>
+          </a:prstGeom>
+        </p:spPr>
+        <p:style>
+          <a:lnRef idx="2">
+            <a:schemeClr val="accent1">
+              <a:shade val="50000"/>
+            </a:schemeClr>
+          </a:lnRef>
+          <a:fillRef idx="1">
+            <a:schemeClr val="accent1"/>
+          </a:fillRef>
+          <a:effectRef idx="0">
+            <a:schemeClr val="accent1"/>
+          </a:effectRef>
+          <a:fontRef idx="minor">
+            <a:schemeClr val="lt1"/>
+          </a:fontRef>
+        </p:style>
+        <p:txBody>
+          <a:bodyPr rtlCol="0" anchor="ctr"/>
+          <a:lstStyle/>
+          <a:p>
+            <a:pPr algn="ctr"/>
+            <a:endParaRPr lang="cs-CZ"/>
+          </a:p>
+        </p:txBody>
+      </p:sp>
+      <p:sp>
+        <p:nvSpPr>
+          <p:cNvPr id="9" name="Šrafovaná šipka doprava 8"/>
+          <p:cNvSpPr/>
+          <p:nvPr/>
+        </p:nvSpPr>
+        <p:spPr>
+          <a:xfrm rot="6854150">
+            <a:off x="3313247" y="4116860"/>
+            <a:ext cx="1669717" cy="213844"/>
+          </a:xfrm>
+          <a:prstGeom prst="stripedRightArrow">
+            <a:avLst/>
+          </a:prstGeom>
+        </p:spPr>
+        <p:style>
+          <a:lnRef idx="2">
+            <a:schemeClr val="accent1">
+              <a:shade val="50000"/>
+            </a:schemeClr>
+          </a:lnRef>
+          <a:fillRef idx="1">
+            <a:schemeClr val="accent1"/>
+          </a:fillRef>
+          <a:effectRef idx="0">
+            <a:schemeClr val="accent1"/>
+          </a:effectRef>
+          <a:fontRef idx="minor">
+            <a:schemeClr val="lt1"/>
+          </a:fontRef>
+        </p:style>
+        <p:txBody>
+          <a:bodyPr rtlCol="0" anchor="ctr"/>
+          <a:lstStyle/>
+          <a:p>
+            <a:pPr algn="ctr"/>
+            <a:endParaRPr lang="cs-CZ"/>
+          </a:p>
+        </p:txBody>
+      </p:sp>
+      <p:sp>
+        <p:nvSpPr>
+          <p:cNvPr id="10" name="Šrafovaná šipka doprava 9"/>
+          <p:cNvSpPr/>
+          <p:nvPr/>
+        </p:nvSpPr>
+        <p:spPr>
+          <a:xfrm rot="7896606">
+            <a:off x="3916448" y="3475943"/>
+            <a:ext cx="544053" cy="224442"/>
+          </a:xfrm>
+          <a:prstGeom prst="stripedRightArrow">
+            <a:avLst/>
+          </a:prstGeom>
+        </p:spPr>
+        <p:style>
+          <a:lnRef idx="2">
+            <a:schemeClr val="accent1">
+              <a:shade val="50000"/>
+            </a:schemeClr>
+          </a:lnRef>
+          <a:fillRef idx="1">
+            <a:schemeClr val="accent1"/>
+          </a:fillRef>
+          <a:effectRef idx="0">
+            <a:schemeClr val="accent1"/>
+          </a:effectRef>
+          <a:fontRef idx="minor">
+            <a:schemeClr val="lt1"/>
+          </a:fontRef>
+        </p:style>
+        <p:txBody>
+          <a:bodyPr rtlCol="0" anchor="ctr"/>
+          <a:lstStyle/>
+          <a:p>
+            <a:pPr algn="ctr"/>
+            <a:endParaRPr lang="cs-CZ"/>
+          </a:p>
+        </p:txBody>
+      </p:sp>
+      <p:pic>
+        <p:nvPicPr>
+          <p:cNvPr id="11271" name="Picture 7"/>
+          <p:cNvPicPr>
+            <a:picLocks noChangeAspect="1" noChangeArrowheads="1"/>
+          </p:cNvPicPr>
+          <p:nvPr/>
+        </p:nvPicPr>
+        <p:blipFill>
+          <a:blip r:embed="rId5" cstate="print"/>
+          <a:srcRect/>
+          <a:stretch>
+            <a:fillRect/>
+          </a:stretch>
+        </p:blipFill>
+        <p:spPr bwMode="auto">
+          <a:xfrm>
+            <a:off x="6156176" y="4221088"/>
+            <a:ext cx="2724150" cy="847725"/>
+          </a:xfrm>
+          <a:prstGeom prst="rect">
+            <a:avLst/>
+          </a:prstGeom>
+          <a:noFill/>
+          <a:ln w="9525">
+            <a:noFill/>
+            <a:miter lim="800000"/>
+            <a:headEnd/>
+            <a:tailEnd/>
+          </a:ln>
+        </p:spPr>
+      </p:pic>
+      <p:sp>
+        <p:nvSpPr>
+          <p:cNvPr id="13" name="Šrafovaná šipka doprava 12"/>
+          <p:cNvSpPr/>
+          <p:nvPr/>
+        </p:nvSpPr>
+        <p:spPr>
+          <a:xfrm rot="12798529">
+            <a:off x="5514223" y="4154020"/>
+            <a:ext cx="604164" cy="206143"/>
+          </a:xfrm>
+          <a:prstGeom prst="stripedRightArrow">
+            <a:avLst/>
+          </a:prstGeom>
+        </p:spPr>
+        <p:style>
+          <a:lnRef idx="2">
+            <a:schemeClr val="accent1">
+              <a:shade val="50000"/>
+            </a:schemeClr>
+          </a:lnRef>
+          <a:fillRef idx="1">
+            <a:schemeClr val="accent1"/>
+          </a:fillRef>
+          <a:effectRef idx="0">
+            <a:schemeClr val="accent1"/>
+          </a:effectRef>
+          <a:fontRef idx="minor">
+            <a:schemeClr val="lt1"/>
+          </a:fontRef>
+        </p:style>
+        <p:txBody>
+          <a:bodyPr rtlCol="0" anchor="ctr"/>
+          <a:lstStyle/>
+          <a:p>
+            <a:pPr algn="ctr"/>
+            <a:endParaRPr lang="cs-CZ"/>
+          </a:p>
+        </p:txBody>
+      </p:sp>
+      <p:sp>
+        <p:nvSpPr>
+          <p:cNvPr id="14" name="Šrafovaná šipka doprava 13"/>
+          <p:cNvSpPr/>
+          <p:nvPr/>
+        </p:nvSpPr>
+        <p:spPr>
+          <a:xfrm rot="8287270">
+            <a:off x="5499746" y="5044488"/>
+            <a:ext cx="604164" cy="206143"/>
+          </a:xfrm>
+          <a:prstGeom prst="stripedRightArrow">
+            <a:avLst/>
+          </a:prstGeom>
+        </p:spPr>
+        <p:style>
+          <a:lnRef idx="2">
+            <a:schemeClr val="accent1">
+              <a:shade val="50000"/>
+            </a:schemeClr>
+          </a:lnRef>
+          <a:fillRef idx="1">
+            <a:schemeClr val="accent1"/>
+          </a:fillRef>
+          <a:effectRef idx="0">
+            <a:schemeClr val="accent1"/>
+          </a:effectRef>
+          <a:fontRef idx="minor">
+            <a:schemeClr val="lt1"/>
+          </a:fontRef>
+        </p:style>
+        <p:txBody>
+          <a:bodyPr rtlCol="0" anchor="ctr"/>
+          <a:lstStyle/>
+          <a:p>
+            <a:pPr algn="ctr"/>
+            <a:endParaRPr lang="cs-CZ"/>
+          </a:p>
+        </p:txBody>
+      </p:sp>
     </p:spTree>
   </p:cSld>
   <p:clrMapOvr>
     <a:masterClrMapping/>
   </p:clrMapOvr>
+  <p:transition/>
   <p:timing>
     <p:tnLst>
       <p:par>
@@ -4045,66 +4109,14 @@
       </p:grpSpPr>
       <p:pic>
         <p:nvPicPr>
-          <p:cNvPr id="3" name="Obrázek 2"/>
-          <p:cNvPicPr>
-            <a:picLocks noChangeAspect="1"/>
-          </p:cNvPicPr>
-          <p:nvPr/>
-        </p:nvPicPr>
-        <p:blipFill>
-          <a:blip r:embed="rId2"/>
-          <a:stretch>
-            <a:fillRect/>
-          </a:stretch>
-        </p:blipFill>
-        <p:spPr>
-          <a:xfrm>
-            <a:off x="199864" y="228575"/>
-            <a:ext cx="2211896" cy="6311116"/>
-          </a:xfrm>
-          <a:prstGeom prst="rect">
-            <a:avLst/>
-          </a:prstGeom>
-        </p:spPr>
-      </p:pic>
-      <p:sp>
-        <p:nvSpPr>
-          <p:cNvPr id="2" name="Nadpis 1"/>
-          <p:cNvSpPr>
-            <a:spLocks noGrp="1"/>
-          </p:cNvSpPr>
-          <p:nvPr>
-            <p:ph type="title"/>
-          </p:nvPr>
-        </p:nvSpPr>
-        <p:spPr>
-          <a:xfrm>
-            <a:off x="2267744" y="274638"/>
-            <a:ext cx="6419056" cy="1143000"/>
-          </a:xfrm>
-        </p:spPr>
-        <p:txBody>
-          <a:bodyPr/>
-          <a:lstStyle/>
-          <a:p>
-            <a:r>
-              <a:rPr lang="en-US" dirty="0" smtClean="0"/>
-              <a:t>Osmotic</a:t>
-            </a:r>
-            <a:endParaRPr lang="cs-CZ" dirty="0"/>
-          </a:p>
-        </p:txBody>
-      </p:sp>
-      <p:pic>
-        <p:nvPicPr>
-          <p:cNvPr id="10244" name="Picture 4"/>
+          <p:cNvPr id="8195" name="Picture 3"/>
           <p:cNvPicPr>
             <a:picLocks noChangeAspect="1" noChangeArrowheads="1"/>
           </p:cNvPicPr>
           <p:nvPr/>
         </p:nvPicPr>
         <p:blipFill>
-          <a:blip r:embed="rId3" cstate="print"/>
+          <a:blip r:embed="rId2" cstate="print"/>
           <a:srcRect/>
           <a:stretch>
             <a:fillRect/>
@@ -4112,8 +4124,8 @@
         </p:blipFill>
         <p:spPr bwMode="auto">
           <a:xfrm>
-            <a:off x="3491880" y="2872833"/>
-            <a:ext cx="4629150" cy="1571625"/>
+            <a:off x="3635896" y="1628800"/>
+            <a:ext cx="4486834" cy="5044822"/>
           </a:xfrm>
           <a:prstGeom prst="rect">
             <a:avLst/>
@@ -4129,156 +4141,56 @@
       </p:pic>
       <p:sp>
         <p:nvSpPr>
-          <p:cNvPr id="7" name="Šrafovaná šipka doprava 6"/>
-          <p:cNvSpPr/>
-          <p:nvPr/>
-        </p:nvSpPr>
-        <p:spPr>
-          <a:xfrm rot="411315">
-            <a:off x="1976364" y="2605282"/>
-            <a:ext cx="5063939" cy="247209"/>
-          </a:xfrm>
-          <a:prstGeom prst="stripedRightArrow">
-            <a:avLst/>
-          </a:prstGeom>
-        </p:spPr>
-        <p:style>
-          <a:lnRef idx="2">
-            <a:schemeClr val="accent1">
-              <a:shade val="50000"/>
-            </a:schemeClr>
-          </a:lnRef>
-          <a:fillRef idx="1">
-            <a:schemeClr val="accent1"/>
-          </a:fillRef>
-          <a:effectRef idx="0">
-            <a:schemeClr val="accent1"/>
-          </a:effectRef>
-          <a:fontRef idx="minor">
-            <a:schemeClr val="lt1"/>
-          </a:fontRef>
-        </p:style>
-        <p:txBody>
-          <a:bodyPr rtlCol="0" anchor="ctr"/>
-          <a:lstStyle/>
-          <a:p>
-            <a:pPr algn="ctr"/>
-            <a:endParaRPr lang="cs-CZ"/>
-          </a:p>
-        </p:txBody>
-      </p:sp>
-      <p:sp>
-        <p:nvSpPr>
-          <p:cNvPr id="8" name="Šrafovaná šipka doprava 7"/>
-          <p:cNvSpPr/>
-          <p:nvPr/>
-        </p:nvSpPr>
-        <p:spPr>
-          <a:xfrm rot="401358">
-            <a:off x="2041907" y="2837913"/>
-            <a:ext cx="3435340" cy="201207"/>
-          </a:xfrm>
-          <a:prstGeom prst="stripedRightArrow">
-            <a:avLst/>
-          </a:prstGeom>
-        </p:spPr>
-        <p:style>
-          <a:lnRef idx="2">
-            <a:schemeClr val="accent1">
-              <a:shade val="50000"/>
-            </a:schemeClr>
-          </a:lnRef>
-          <a:fillRef idx="1">
-            <a:schemeClr val="accent1"/>
-          </a:fillRef>
-          <a:effectRef idx="0">
-            <a:schemeClr val="accent1"/>
-          </a:effectRef>
-          <a:fontRef idx="minor">
-            <a:schemeClr val="lt1"/>
-          </a:fontRef>
-        </p:style>
-        <p:txBody>
-          <a:bodyPr rtlCol="0" anchor="ctr"/>
-          <a:lstStyle/>
-          <a:p>
-            <a:pPr algn="ctr"/>
-            <a:endParaRPr lang="cs-CZ"/>
+          <p:cNvPr id="4" name="Nadpis 1"/>
+          <p:cNvSpPr>
+            <a:spLocks noGrp="1"/>
+          </p:cNvSpPr>
+          <p:nvPr>
+            <p:ph type="title"/>
+          </p:nvPr>
+        </p:nvSpPr>
+        <p:spPr>
+          <a:xfrm>
+            <a:off x="2339752" y="274638"/>
+            <a:ext cx="6347048" cy="1143000"/>
+          </a:xfrm>
+        </p:spPr>
+        <p:txBody>
+          <a:bodyPr/>
+          <a:lstStyle/>
+          <a:p>
+            <a:r>
+              <a:rPr lang="en-US" dirty="0" smtClean="0"/>
+              <a:t>Hydraulic</a:t>
+            </a:r>
+            <a:endParaRPr lang="cs-CZ" dirty="0"/>
           </a:p>
         </p:txBody>
       </p:sp>
       <p:pic>
         <p:nvPicPr>
-          <p:cNvPr id="10246" name="Picture 6"/>
+          <p:cNvPr id="2" name="Obrázek 1"/>
           <p:cNvPicPr>
-            <a:picLocks noChangeAspect="1" noChangeArrowheads="1"/>
+            <a:picLocks noChangeAspect="1"/>
           </p:cNvPicPr>
           <p:nvPr/>
         </p:nvPicPr>
         <p:blipFill>
-          <a:blip r:embed="rId4" cstate="print"/>
-          <a:srcRect/>
+          <a:blip r:embed="rId3"/>
           <a:stretch>
             <a:fillRect/>
           </a:stretch>
         </p:blipFill>
-        <p:spPr bwMode="auto">
-          <a:xfrm>
-            <a:off x="3690689" y="4941168"/>
-            <a:ext cx="5057775" cy="1238250"/>
+        <p:spPr>
+          <a:xfrm>
+            <a:off x="323528" y="188640"/>
+            <a:ext cx="2448272" cy="6579006"/>
           </a:xfrm>
           <a:prstGeom prst="rect">
             <a:avLst/>
           </a:prstGeom>
-          <a:noFill/>
-          <a:ln w="9525">
-            <a:noFill/>
-            <a:miter lim="800000"/>
-            <a:headEnd/>
-            <a:tailEnd/>
-          </a:ln>
         </p:spPr>
       </p:pic>
-      <p:sp>
-        <p:nvSpPr>
-          <p:cNvPr id="11" name="Šrafovaná šipka doprava 10"/>
-          <p:cNvSpPr/>
-          <p:nvPr/>
-        </p:nvSpPr>
-        <p:spPr>
-          <a:xfrm>
-            <a:off x="1979712" y="5229200"/>
-            <a:ext cx="1605656" cy="360040"/>
-          </a:xfrm>
-          <a:prstGeom prst="stripedRightArrow">
-            <a:avLst/>
-          </a:prstGeom>
-        </p:spPr>
-        <p:style>
-          <a:lnRef idx="2">
-            <a:schemeClr val="accent1">
-              <a:shade val="50000"/>
-            </a:schemeClr>
-          </a:lnRef>
-          <a:fillRef idx="1">
-            <a:schemeClr val="accent1"/>
-          </a:fillRef>
-          <a:effectRef idx="0">
-            <a:schemeClr val="accent1"/>
-          </a:effectRef>
-          <a:fontRef idx="minor">
-            <a:schemeClr val="lt1"/>
-          </a:fontRef>
-        </p:style>
-        <p:txBody>
-          <a:bodyPr rtlCol="0" anchor="ctr"/>
-          <a:lstStyle/>
-          <a:p>
-            <a:pPr algn="ctr"/>
-            <a:endParaRPr lang="cs-CZ"/>
-          </a:p>
-        </p:txBody>
-      </p:sp>
     </p:spTree>
   </p:cSld>
   <p:clrMapOvr>
@@ -4313,7 +4225,7 @@
       </p:grpSpPr>
       <p:pic>
         <p:nvPicPr>
-          <p:cNvPr id="5" name="Obrázek 4"/>
+          <p:cNvPr id="3" name="Obrázek 2"/>
           <p:cNvPicPr>
             <a:picLocks noChangeAspect="1"/>
           </p:cNvPicPr>
@@ -4327,8 +4239,8 @@
         </p:blipFill>
         <p:spPr>
           <a:xfrm>
-            <a:off x="3177354" y="1187935"/>
-            <a:ext cx="4313625" cy="4221285"/>
+            <a:off x="199864" y="228575"/>
+            <a:ext cx="2211896" cy="6311116"/>
           </a:xfrm>
           <a:prstGeom prst="rect">
             <a:avLst/>
@@ -4357,7 +4269,7 @@
           <a:p>
             <a:r>
               <a:rPr lang="en-US" dirty="0" smtClean="0"/>
-              <a:t>Population</a:t>
+              <a:t>Osmotic</a:t>
             </a:r>
             <a:endParaRPr lang="cs-CZ" dirty="0"/>
           </a:p>
@@ -4365,38 +4277,46 @@
       </p:sp>
       <p:pic>
         <p:nvPicPr>
-          <p:cNvPr id="4" name="Obrázek 3"/>
+          <p:cNvPr id="10244" name="Picture 4"/>
           <p:cNvPicPr>
-            <a:picLocks noChangeAspect="1"/>
+            <a:picLocks noChangeAspect="1" noChangeArrowheads="1"/>
           </p:cNvPicPr>
           <p:nvPr/>
         </p:nvPicPr>
         <p:blipFill>
-          <a:blip r:embed="rId3"/>
+          <a:blip r:embed="rId3" cstate="print"/>
+          <a:srcRect/>
           <a:stretch>
             <a:fillRect/>
           </a:stretch>
         </p:blipFill>
-        <p:spPr>
-          <a:xfrm>
-            <a:off x="293082" y="766851"/>
-            <a:ext cx="1781175" cy="3743325"/>
+        <p:spPr bwMode="auto">
+          <a:xfrm>
+            <a:off x="3491880" y="2872833"/>
+            <a:ext cx="4629150" cy="1571625"/>
           </a:xfrm>
           <a:prstGeom prst="rect">
             <a:avLst/>
           </a:prstGeom>
+          <a:noFill/>
+          <a:ln w="9525">
+            <a:noFill/>
+            <a:miter lim="800000"/>
+            <a:headEnd/>
+            <a:tailEnd/>
+          </a:ln>
         </p:spPr>
       </p:pic>
       <p:sp>
         <p:nvSpPr>
-          <p:cNvPr id="11" name="Šrafovaná šipka doprava 10"/>
+          <p:cNvPr id="7" name="Šrafovaná šipka doprava 6"/>
           <p:cNvSpPr/>
           <p:nvPr/>
         </p:nvSpPr>
         <p:spPr>
-          <a:xfrm rot="2796185">
-            <a:off x="1239871" y="4454600"/>
-            <a:ext cx="3261602" cy="184923"/>
+          <a:xfrm rot="411315">
+            <a:off x="1976364" y="2605282"/>
+            <a:ext cx="5063939" cy="247209"/>
           </a:xfrm>
           <a:prstGeom prst="stripedRightArrow">
             <a:avLst/>
@@ -4427,36 +4347,119 @@
           </a:p>
         </p:txBody>
       </p:sp>
+      <p:sp>
+        <p:nvSpPr>
+          <p:cNvPr id="8" name="Šrafovaná šipka doprava 7"/>
+          <p:cNvSpPr/>
+          <p:nvPr/>
+        </p:nvSpPr>
+        <p:spPr>
+          <a:xfrm rot="401358">
+            <a:off x="2041907" y="2837913"/>
+            <a:ext cx="3435340" cy="201207"/>
+          </a:xfrm>
+          <a:prstGeom prst="stripedRightArrow">
+            <a:avLst/>
+          </a:prstGeom>
+        </p:spPr>
+        <p:style>
+          <a:lnRef idx="2">
+            <a:schemeClr val="accent1">
+              <a:shade val="50000"/>
+            </a:schemeClr>
+          </a:lnRef>
+          <a:fillRef idx="1">
+            <a:schemeClr val="accent1"/>
+          </a:fillRef>
+          <a:effectRef idx="0">
+            <a:schemeClr val="accent1"/>
+          </a:effectRef>
+          <a:fontRef idx="minor">
+            <a:schemeClr val="lt1"/>
+          </a:fontRef>
+        </p:style>
+        <p:txBody>
+          <a:bodyPr rtlCol="0" anchor="ctr"/>
+          <a:lstStyle/>
+          <a:p>
+            <a:pPr algn="ctr"/>
+            <a:endParaRPr lang="cs-CZ"/>
+          </a:p>
+        </p:txBody>
+      </p:sp>
       <p:pic>
         <p:nvPicPr>
-          <p:cNvPr id="6" name="Obrázek 5"/>
+          <p:cNvPr id="10246" name="Picture 6"/>
           <p:cNvPicPr>
-            <a:picLocks noChangeAspect="1"/>
+            <a:picLocks noChangeAspect="1" noChangeArrowheads="1"/>
           </p:cNvPicPr>
           <p:nvPr/>
         </p:nvPicPr>
         <p:blipFill>
-          <a:blip r:embed="rId4"/>
+          <a:blip r:embed="rId4" cstate="print"/>
+          <a:srcRect/>
           <a:stretch>
             <a:fillRect/>
           </a:stretch>
         </p:blipFill>
-        <p:spPr>
-          <a:xfrm>
-            <a:off x="39219" y="5795546"/>
-            <a:ext cx="9141293" cy="894014"/>
+        <p:spPr bwMode="auto">
+          <a:xfrm>
+            <a:off x="3690689" y="4941168"/>
+            <a:ext cx="5057775" cy="1238250"/>
           </a:xfrm>
           <a:prstGeom prst="rect">
             <a:avLst/>
           </a:prstGeom>
+          <a:noFill/>
+          <a:ln w="9525">
+            <a:noFill/>
+            <a:miter lim="800000"/>
+            <a:headEnd/>
+            <a:tailEnd/>
+          </a:ln>
         </p:spPr>
       </p:pic>
+      <p:sp>
+        <p:nvSpPr>
+          <p:cNvPr id="11" name="Šrafovaná šipka doprava 10"/>
+          <p:cNvSpPr/>
+          <p:nvPr/>
+        </p:nvSpPr>
+        <p:spPr>
+          <a:xfrm>
+            <a:off x="1979712" y="5229200"/>
+            <a:ext cx="1605656" cy="360040"/>
+          </a:xfrm>
+          <a:prstGeom prst="stripedRightArrow">
+            <a:avLst/>
+          </a:prstGeom>
+        </p:spPr>
+        <p:style>
+          <a:lnRef idx="2">
+            <a:schemeClr val="accent1">
+              <a:shade val="50000"/>
+            </a:schemeClr>
+          </a:lnRef>
+          <a:fillRef idx="1">
+            <a:schemeClr val="accent1"/>
+          </a:fillRef>
+          <a:effectRef idx="0">
+            <a:schemeClr val="accent1"/>
+          </a:effectRef>
+          <a:fontRef idx="minor">
+            <a:schemeClr val="lt1"/>
+          </a:fontRef>
+        </p:style>
+        <p:txBody>
+          <a:bodyPr rtlCol="0" anchor="ctr"/>
+          <a:lstStyle/>
+          <a:p>
+            <a:pPr algn="ctr"/>
+            <a:endParaRPr lang="cs-CZ"/>
+          </a:p>
+        </p:txBody>
+      </p:sp>
     </p:spTree>
-    <p:extLst>
-      <p:ext uri="{BB962C8B-B14F-4D97-AF65-F5344CB8AC3E}">
-        <p14:creationId xmlns:p14="http://schemas.microsoft.com/office/powerpoint/2010/main" val="2989593372"/>
-      </p:ext>
-    </p:extLst>
   </p:cSld>
   <p:clrMapOvr>
     <a:masterClrMapping/>
@@ -4490,162 +4493,90 @@
       </p:grpSpPr>
       <p:pic>
         <p:nvPicPr>
-          <p:cNvPr id="9218" name="Picture 2"/>
+          <p:cNvPr id="5" name="Obrázek 4"/>
           <p:cNvPicPr>
-            <a:picLocks noChangeAspect="1" noChangeArrowheads="1"/>
+            <a:picLocks noChangeAspect="1"/>
           </p:cNvPicPr>
           <p:nvPr/>
         </p:nvPicPr>
         <p:blipFill>
-          <a:blip r:embed="rId2" cstate="print"/>
-          <a:srcRect/>
+          <a:blip r:embed="rId2"/>
           <a:stretch>
             <a:fillRect/>
           </a:stretch>
         </p:blipFill>
-        <p:spPr bwMode="auto">
-          <a:xfrm>
-            <a:off x="179512" y="692696"/>
-            <a:ext cx="2590800" cy="4943475"/>
+        <p:spPr>
+          <a:xfrm>
+            <a:off x="3177354" y="1187935"/>
+            <a:ext cx="4313625" cy="4221285"/>
           </a:xfrm>
           <a:prstGeom prst="rect">
             <a:avLst/>
           </a:prstGeom>
-          <a:noFill/>
-          <a:ln w="9525">
-            <a:noFill/>
-            <a:miter lim="800000"/>
-            <a:headEnd/>
-            <a:tailEnd/>
-          </a:ln>
         </p:spPr>
       </p:pic>
+      <p:sp>
+        <p:nvSpPr>
+          <p:cNvPr id="2" name="Nadpis 1"/>
+          <p:cNvSpPr>
+            <a:spLocks noGrp="1"/>
+          </p:cNvSpPr>
+          <p:nvPr>
+            <p:ph type="title"/>
+          </p:nvPr>
+        </p:nvSpPr>
+        <p:spPr>
+          <a:xfrm>
+            <a:off x="2267744" y="274638"/>
+            <a:ext cx="6419056" cy="1143000"/>
+          </a:xfrm>
+        </p:spPr>
+        <p:txBody>
+          <a:bodyPr/>
+          <a:lstStyle/>
+          <a:p>
+            <a:r>
+              <a:rPr lang="en-US" dirty="0" smtClean="0"/>
+              <a:t>Population</a:t>
+            </a:r>
+            <a:endParaRPr lang="cs-CZ" dirty="0"/>
+          </a:p>
+        </p:txBody>
+      </p:sp>
       <p:pic>
         <p:nvPicPr>
-          <p:cNvPr id="9220" name="Picture 4"/>
+          <p:cNvPr id="4" name="Obrázek 3"/>
           <p:cNvPicPr>
-            <a:picLocks noChangeAspect="1" noChangeArrowheads="1"/>
+            <a:picLocks noChangeAspect="1"/>
           </p:cNvPicPr>
           <p:nvPr/>
         </p:nvPicPr>
         <p:blipFill>
-          <a:blip r:embed="rId3" cstate="print"/>
-          <a:srcRect/>
+          <a:blip r:embed="rId3"/>
           <a:stretch>
             <a:fillRect/>
           </a:stretch>
         </p:blipFill>
-        <p:spPr bwMode="auto">
-          <a:xfrm>
-            <a:off x="3923928" y="1772816"/>
-            <a:ext cx="3705225" cy="3543300"/>
+        <p:spPr>
+          <a:xfrm>
+            <a:off x="293082" y="766851"/>
+            <a:ext cx="1781175" cy="3743325"/>
           </a:xfrm>
           <a:prstGeom prst="rect">
             <a:avLst/>
           </a:prstGeom>
-          <a:noFill/>
-          <a:ln w="9525">
-            <a:noFill/>
-            <a:miter lim="800000"/>
-            <a:headEnd/>
-            <a:tailEnd/>
-          </a:ln>
         </p:spPr>
       </p:pic>
-      <p:pic>
-        <p:nvPicPr>
-          <p:cNvPr id="9221" name="Picture 5"/>
-          <p:cNvPicPr>
-            <a:picLocks noChangeAspect="1" noChangeArrowheads="1"/>
-          </p:cNvPicPr>
-          <p:nvPr/>
-        </p:nvPicPr>
-        <p:blipFill>
-          <a:blip r:embed="rId4" cstate="print"/>
-          <a:srcRect/>
-          <a:stretch>
-            <a:fillRect/>
-          </a:stretch>
-        </p:blipFill>
-        <p:spPr bwMode="auto">
-          <a:xfrm>
-            <a:off x="683568" y="6165304"/>
-            <a:ext cx="8039100" cy="276225"/>
-          </a:xfrm>
-          <a:prstGeom prst="rect">
-            <a:avLst/>
-          </a:prstGeom>
-          <a:noFill/>
-          <a:ln w="9525">
-            <a:noFill/>
-            <a:miter lim="800000"/>
-            <a:headEnd/>
-            <a:tailEnd/>
-          </a:ln>
-        </p:spPr>
-      </p:pic>
-      <p:sp>
-        <p:nvSpPr>
-          <p:cNvPr id="8" name="Nadpis 1"/>
-          <p:cNvSpPr>
-            <a:spLocks noGrp="1"/>
-          </p:cNvSpPr>
-          <p:nvPr>
-            <p:ph type="title"/>
-          </p:nvPr>
-        </p:nvSpPr>
-        <p:spPr>
-          <a:xfrm>
-            <a:off x="2339752" y="274638"/>
-            <a:ext cx="6347048" cy="1143000"/>
-          </a:xfrm>
-        </p:spPr>
-        <p:txBody>
-          <a:bodyPr/>
-          <a:lstStyle/>
-          <a:p>
-            <a:r>
-              <a:rPr lang="en-US" dirty="0" smtClean="0"/>
-              <a:t>Thermal</a:t>
-            </a:r>
-            <a:endParaRPr lang="cs-CZ" dirty="0"/>
-          </a:p>
-        </p:txBody>
-      </p:sp>
-      <p:pic>
-        <p:nvPicPr>
-          <p:cNvPr id="2" name="Obrázek 1"/>
-          <p:cNvPicPr>
-            <a:picLocks noChangeAspect="1"/>
-          </p:cNvPicPr>
-          <p:nvPr/>
-        </p:nvPicPr>
-        <p:blipFill>
-          <a:blip r:embed="rId5"/>
-          <a:stretch>
-            <a:fillRect/>
-          </a:stretch>
-        </p:blipFill>
-        <p:spPr>
-          <a:xfrm>
-            <a:off x="179512" y="274638"/>
-            <a:ext cx="2590800" cy="5642975"/>
-          </a:xfrm>
-          <a:prstGeom prst="rect">
-            <a:avLst/>
-          </a:prstGeom>
-        </p:spPr>
-      </p:pic>
-      <p:sp>
-        <p:nvSpPr>
-          <p:cNvPr id="9" name="Šrafovaná šipka doprava 8"/>
+      <p:sp>
+        <p:nvSpPr>
+          <p:cNvPr id="11" name="Šrafovaná šipka doprava 10"/>
           <p:cNvSpPr/>
           <p:nvPr/>
         </p:nvSpPr>
         <p:spPr>
-          <a:xfrm rot="2482842">
-            <a:off x="1451847" y="5097598"/>
-            <a:ext cx="2107049" cy="288032"/>
+          <a:xfrm rot="2796185">
+            <a:off x="1239871" y="4454600"/>
+            <a:ext cx="3261602" cy="184923"/>
           </a:xfrm>
           <a:prstGeom prst="stripedRightArrow">
             <a:avLst/>
@@ -4676,7 +4607,36 @@
           </a:p>
         </p:txBody>
       </p:sp>
+      <p:pic>
+        <p:nvPicPr>
+          <p:cNvPr id="6" name="Obrázek 5"/>
+          <p:cNvPicPr>
+            <a:picLocks noChangeAspect="1"/>
+          </p:cNvPicPr>
+          <p:nvPr/>
+        </p:nvPicPr>
+        <p:blipFill>
+          <a:blip r:embed="rId4"/>
+          <a:stretch>
+            <a:fillRect/>
+          </a:stretch>
+        </p:blipFill>
+        <p:spPr>
+          <a:xfrm>
+            <a:off x="39219" y="5795546"/>
+            <a:ext cx="9141293" cy="894014"/>
+          </a:xfrm>
+          <a:prstGeom prst="rect">
+            <a:avLst/>
+          </a:prstGeom>
+        </p:spPr>
+      </p:pic>
     </p:spTree>
+    <p:extLst>
+      <p:ext uri="{BB962C8B-B14F-4D97-AF65-F5344CB8AC3E}">
+        <p14:creationId xmlns:p14="http://schemas.microsoft.com/office/powerpoint/2010/main" val="2989593372"/>
+      </p:ext>
+    </p:extLst>
   </p:cSld>
   <p:clrMapOvr>
     <a:masterClrMapping/>
@@ -4708,47 +4668,9 @@
           <a:chExt cx="0" cy="0"/>
         </a:xfrm>
       </p:grpSpPr>
-      <p:sp>
-        <p:nvSpPr>
-          <p:cNvPr id="2" name="Nadpis 1"/>
-          <p:cNvSpPr>
-            <a:spLocks noGrp="1"/>
-          </p:cNvSpPr>
-          <p:nvPr>
-            <p:ph type="title"/>
-          </p:nvPr>
-        </p:nvSpPr>
-        <p:spPr/>
-        <p:txBody>
-          <a:bodyPr/>
-          <a:lstStyle/>
-          <a:p>
-            <a:endParaRPr lang="cs-CZ"/>
-          </a:p>
-        </p:txBody>
-      </p:sp>
-      <p:sp>
-        <p:nvSpPr>
-          <p:cNvPr id="3" name="Zástupný symbol pro obsah 2"/>
-          <p:cNvSpPr>
-            <a:spLocks noGrp="1"/>
-          </p:cNvSpPr>
-          <p:nvPr>
-            <p:ph idx="1"/>
-          </p:nvPr>
-        </p:nvSpPr>
-        <p:spPr/>
-        <p:txBody>
-          <a:bodyPr/>
-          <a:lstStyle/>
-          <a:p>
-            <a:endParaRPr lang="cs-CZ"/>
-          </a:p>
-        </p:txBody>
-      </p:sp>
       <p:pic>
         <p:nvPicPr>
-          <p:cNvPr id="4" name="Picture 3"/>
+          <p:cNvPr id="9218" name="Picture 2"/>
           <p:cNvPicPr>
             <a:picLocks noChangeAspect="1" noChangeArrowheads="1"/>
           </p:cNvPicPr>
@@ -4763,8 +4685,8 @@
         </p:blipFill>
         <p:spPr bwMode="auto">
           <a:xfrm>
-            <a:off x="611560" y="188640"/>
-            <a:ext cx="7724775" cy="6543675"/>
+            <a:off x="179512" y="692696"/>
+            <a:ext cx="2590800" cy="4943475"/>
           </a:xfrm>
           <a:prstGeom prst="rect">
             <a:avLst/>
@@ -4778,6 +4700,162 @@
           </a:ln>
         </p:spPr>
       </p:pic>
+      <p:pic>
+        <p:nvPicPr>
+          <p:cNvPr id="9220" name="Picture 4"/>
+          <p:cNvPicPr>
+            <a:picLocks noChangeAspect="1" noChangeArrowheads="1"/>
+          </p:cNvPicPr>
+          <p:nvPr/>
+        </p:nvPicPr>
+        <p:blipFill>
+          <a:blip r:embed="rId3" cstate="print"/>
+          <a:srcRect/>
+          <a:stretch>
+            <a:fillRect/>
+          </a:stretch>
+        </p:blipFill>
+        <p:spPr bwMode="auto">
+          <a:xfrm>
+            <a:off x="3923928" y="1772816"/>
+            <a:ext cx="3705225" cy="3543300"/>
+          </a:xfrm>
+          <a:prstGeom prst="rect">
+            <a:avLst/>
+          </a:prstGeom>
+          <a:noFill/>
+          <a:ln w="9525">
+            <a:noFill/>
+            <a:miter lim="800000"/>
+            <a:headEnd/>
+            <a:tailEnd/>
+          </a:ln>
+        </p:spPr>
+      </p:pic>
+      <p:pic>
+        <p:nvPicPr>
+          <p:cNvPr id="9221" name="Picture 5"/>
+          <p:cNvPicPr>
+            <a:picLocks noChangeAspect="1" noChangeArrowheads="1"/>
+          </p:cNvPicPr>
+          <p:nvPr/>
+        </p:nvPicPr>
+        <p:blipFill>
+          <a:blip r:embed="rId4" cstate="print"/>
+          <a:srcRect/>
+          <a:stretch>
+            <a:fillRect/>
+          </a:stretch>
+        </p:blipFill>
+        <p:spPr bwMode="auto">
+          <a:xfrm>
+            <a:off x="683568" y="6165304"/>
+            <a:ext cx="8039100" cy="276225"/>
+          </a:xfrm>
+          <a:prstGeom prst="rect">
+            <a:avLst/>
+          </a:prstGeom>
+          <a:noFill/>
+          <a:ln w="9525">
+            <a:noFill/>
+            <a:miter lim="800000"/>
+            <a:headEnd/>
+            <a:tailEnd/>
+          </a:ln>
+        </p:spPr>
+      </p:pic>
+      <p:sp>
+        <p:nvSpPr>
+          <p:cNvPr id="8" name="Nadpis 1"/>
+          <p:cNvSpPr>
+            <a:spLocks noGrp="1"/>
+          </p:cNvSpPr>
+          <p:nvPr>
+            <p:ph type="title"/>
+          </p:nvPr>
+        </p:nvSpPr>
+        <p:spPr>
+          <a:xfrm>
+            <a:off x="2339752" y="274638"/>
+            <a:ext cx="6347048" cy="1143000"/>
+          </a:xfrm>
+        </p:spPr>
+        <p:txBody>
+          <a:bodyPr/>
+          <a:lstStyle/>
+          <a:p>
+            <a:r>
+              <a:rPr lang="en-US" dirty="0" smtClean="0"/>
+              <a:t>Thermal</a:t>
+            </a:r>
+            <a:endParaRPr lang="cs-CZ" dirty="0"/>
+          </a:p>
+        </p:txBody>
+      </p:sp>
+      <p:pic>
+        <p:nvPicPr>
+          <p:cNvPr id="2" name="Obrázek 1"/>
+          <p:cNvPicPr>
+            <a:picLocks noChangeAspect="1"/>
+          </p:cNvPicPr>
+          <p:nvPr/>
+        </p:nvPicPr>
+        <p:blipFill>
+          <a:blip r:embed="rId5"/>
+          <a:stretch>
+            <a:fillRect/>
+          </a:stretch>
+        </p:blipFill>
+        <p:spPr>
+          <a:xfrm>
+            <a:off x="179512" y="274638"/>
+            <a:ext cx="2590800" cy="5642975"/>
+          </a:xfrm>
+          <a:prstGeom prst="rect">
+            <a:avLst/>
+          </a:prstGeom>
+        </p:spPr>
+      </p:pic>
+      <p:sp>
+        <p:nvSpPr>
+          <p:cNvPr id="9" name="Šrafovaná šipka doprava 8"/>
+          <p:cNvSpPr/>
+          <p:nvPr/>
+        </p:nvSpPr>
+        <p:spPr>
+          <a:xfrm rot="2482842">
+            <a:off x="1451847" y="5097598"/>
+            <a:ext cx="2107049" cy="288032"/>
+          </a:xfrm>
+          <a:prstGeom prst="stripedRightArrow">
+            <a:avLst/>
+          </a:prstGeom>
+        </p:spPr>
+        <p:style>
+          <a:lnRef idx="2">
+            <a:schemeClr val="accent1">
+              <a:shade val="50000"/>
+            </a:schemeClr>
+          </a:lnRef>
+          <a:fillRef idx="1">
+            <a:schemeClr val="accent1"/>
+          </a:fillRef>
+          <a:effectRef idx="0">
+            <a:schemeClr val="accent1"/>
+          </a:effectRef>
+          <a:fontRef idx="minor">
+            <a:schemeClr val="lt1"/>
+          </a:fontRef>
+        </p:style>
+        <p:txBody>
+          <a:bodyPr rtlCol="0" anchor="ctr"/>
+          <a:lstStyle/>
+          <a:p>
+            <a:pPr algn="ctr"/>
+            <a:endParaRPr lang="cs-CZ"/>
+          </a:p>
+        </p:txBody>
+      </p:sp>
     </p:spTree>
   </p:cSld>
   <p:clrMapOvr>
@@ -4820,21 +4898,12 @@
             <p:ph type="title"/>
           </p:nvPr>
         </p:nvSpPr>
-        <p:spPr>
-          <a:xfrm>
-            <a:off x="467544" y="1628800"/>
-            <a:ext cx="8229600" cy="1143000"/>
-          </a:xfrm>
-        </p:spPr>
+        <p:spPr/>
         <p:txBody>
           <a:bodyPr/>
           <a:lstStyle/>
           <a:p>
-            <a:r>
-              <a:rPr lang="en-US" dirty="0" smtClean="0"/>
-              <a:t>Thank you for your attention!</a:t>
-            </a:r>
-            <a:endParaRPr lang="cs-CZ" dirty="0"/>
+            <a:endParaRPr lang="cs-CZ"/>
           </a:p>
         </p:txBody>
       </p:sp>
@@ -4848,27 +4917,47 @@
             <p:ph idx="1"/>
           </p:nvPr>
         </p:nvSpPr>
-        <p:spPr>
-          <a:xfrm>
-            <a:off x="5004048" y="6021288"/>
-            <a:ext cx="3898776" cy="604664"/>
-          </a:xfrm>
-        </p:spPr>
+        <p:spPr/>
         <p:txBody>
           <a:bodyPr/>
           <a:lstStyle/>
           <a:p>
-            <a:pPr>
-              <a:buNone/>
-            </a:pPr>
-            <a:r>
-              <a:rPr lang="en-US" dirty="0" smtClean="0"/>
-              <a:t>www.physiolibrary.org</a:t>
-            </a:r>
-            <a:endParaRPr lang="cs-CZ" dirty="0"/>
-          </a:p>
-        </p:txBody>
-      </p:sp>
+            <a:endParaRPr lang="cs-CZ"/>
+          </a:p>
+        </p:txBody>
+      </p:sp>
+      <p:pic>
+        <p:nvPicPr>
+          <p:cNvPr id="4" name="Picture 3"/>
+          <p:cNvPicPr>
+            <a:picLocks noChangeAspect="1" noChangeArrowheads="1"/>
+          </p:cNvPicPr>
+          <p:nvPr/>
+        </p:nvPicPr>
+        <p:blipFill>
+          <a:blip r:embed="rId2" cstate="print"/>
+          <a:srcRect/>
+          <a:stretch>
+            <a:fillRect/>
+          </a:stretch>
+        </p:blipFill>
+        <p:spPr bwMode="auto">
+          <a:xfrm>
+            <a:off x="611560" y="188640"/>
+            <a:ext cx="7724775" cy="6543675"/>
+          </a:xfrm>
+          <a:prstGeom prst="rect">
+            <a:avLst/>
+          </a:prstGeom>
+          <a:noFill/>
+          <a:ln w="9525">
+            <a:noFill/>
+            <a:miter lim="800000"/>
+            <a:headEnd/>
+            <a:tailEnd/>
+          </a:ln>
+        </p:spPr>
+      </p:pic>
     </p:spTree>
   </p:cSld>
   <p:clrMapOvr>
@@ -5092,6 +5181,97 @@
           </a:ln>
         </p:spPr>
       </p:pic>
+    </p:spTree>
+  </p:cSld>
+  <p:clrMapOvr>
+    <a:masterClrMapping/>
+  </p:clrMapOvr>
+  <p:timing>
+    <p:tnLst>
+      <p:par>
+        <p:cTn id="1" dur="indefinite" restart="never" nodeType="tmRoot"/>
+      </p:par>
+    </p:tnLst>
+  </p:timing>
+</p:sld>
+</file>
+
+<file path=ppt/slides/slide20.xml><?xml version="1.0" encoding="utf-8"?>
+<p:sld xmlns:a="http://schemas.openxmlformats.org/drawingml/2006/main" xmlns:r="http://schemas.openxmlformats.org/officeDocument/2006/relationships" xmlns:p="http://schemas.openxmlformats.org/presentationml/2006/main">
+  <p:cSld>
+    <p:spTree>
+      <p:nvGrpSpPr>
+        <p:cNvPr id="1" name=""/>
+        <p:cNvGrpSpPr/>
+        <p:nvPr/>
+      </p:nvGrpSpPr>
+      <p:grpSpPr>
+        <a:xfrm>
+          <a:off x="0" y="0"/>
+          <a:ext cx="0" cy="0"/>
+          <a:chOff x="0" y="0"/>
+          <a:chExt cx="0" cy="0"/>
+        </a:xfrm>
+      </p:grpSpPr>
+      <p:sp>
+        <p:nvSpPr>
+          <p:cNvPr id="2" name="Nadpis 1"/>
+          <p:cNvSpPr>
+            <a:spLocks noGrp="1"/>
+          </p:cNvSpPr>
+          <p:nvPr>
+            <p:ph type="title"/>
+          </p:nvPr>
+        </p:nvSpPr>
+        <p:spPr>
+          <a:xfrm>
+            <a:off x="467544" y="1628800"/>
+            <a:ext cx="8229600" cy="1143000"/>
+          </a:xfrm>
+        </p:spPr>
+        <p:txBody>
+          <a:bodyPr/>
+          <a:lstStyle/>
+          <a:p>
+            <a:r>
+              <a:rPr lang="en-US" dirty="0" smtClean="0"/>
+              <a:t>Thank you for your attention!</a:t>
+            </a:r>
+            <a:endParaRPr lang="cs-CZ" dirty="0"/>
+          </a:p>
+        </p:txBody>
+      </p:sp>
+      <p:sp>
+        <p:nvSpPr>
+          <p:cNvPr id="3" name="Zástupný symbol pro obsah 2"/>
+          <p:cNvSpPr>
+            <a:spLocks noGrp="1"/>
+          </p:cNvSpPr>
+          <p:nvPr>
+            <p:ph idx="1"/>
+          </p:nvPr>
+        </p:nvSpPr>
+        <p:spPr>
+          <a:xfrm>
+            <a:off x="5004048" y="6021288"/>
+            <a:ext cx="3898776" cy="604664"/>
+          </a:xfrm>
+        </p:spPr>
+        <p:txBody>
+          <a:bodyPr/>
+          <a:lstStyle/>
+          <a:p>
+            <a:pPr>
+              <a:buNone/>
+            </a:pPr>
+            <a:r>
+              <a:rPr lang="en-US" dirty="0" smtClean="0"/>
+              <a:t>www.physiolibrary.org</a:t>
+            </a:r>
+            <a:endParaRPr lang="cs-CZ" dirty="0"/>
+          </a:p>
+        </p:txBody>
+      </p:sp>
     </p:spTree>
   </p:cSld>
   <p:clrMapOvr>

--- a/Physiolibrary/Resources/Documentation/Physiolibrary v2.3.pptx
+++ b/Physiolibrary/Resources/Documentation/Physiolibrary v2.3.pptx
@@ -142,6 +142,10 @@
 </p:presentation>
 </file>
 
+<file path=ppt/revisionInfo.xml><?xml version="1.0" encoding="utf-8"?>
+<p1510:revInfo xmlns:a="http://schemas.openxmlformats.org/drawingml/2006/main" xmlns:r="http://schemas.openxmlformats.org/officeDocument/2006/relationships" xmlns:p1510="http://schemas.microsoft.com/office/powerpoint/2015/10/main"/>
+</file>
+
 <file path=ppt/slideLayouts/slideLayout1.xml><?xml version="1.0" encoding="utf-8"?>
 <p:sldLayout xmlns:a="http://schemas.openxmlformats.org/drawingml/2006/main" xmlns:r="http://schemas.openxmlformats.org/officeDocument/2006/relationships" xmlns:p="http://schemas.openxmlformats.org/presentationml/2006/main" type="title" preserve="1">
   <p:cSld name="Úvodní snímek">
@@ -180,10 +184,9 @@
           <a:lstStyle/>
           <a:p>
             <a:r>
-              <a:rPr lang="cs-CZ" smtClean="0"/>
+              <a:rPr lang="cs-CZ"/>
               <a:t>Klepnutím lze upravit styl předlohy nadpisů.</a:t>
             </a:r>
-            <a:endParaRPr lang="cs-CZ"/>
           </a:p>
         </p:txBody>
       </p:sp>
@@ -299,10 +302,9 @@
           </a:lstStyle>
           <a:p>
             <a:r>
-              <a:rPr lang="cs-CZ" smtClean="0"/>
+              <a:rPr lang="cs-CZ"/>
               <a:t>Klepnutím lze upravit styl předlohy podnadpisů.</a:t>
             </a:r>
-            <a:endParaRPr lang="cs-CZ"/>
           </a:p>
         </p:txBody>
       </p:sp>
@@ -324,7 +326,7 @@
             <a:fld id="{18A2481B-5154-415F-B752-558547769AA3}" type="datetimeFigureOut">
               <a:rPr lang="cs-CZ" smtClean="0"/>
               <a:pPr/>
-              <a:t>19. 11. 2014</a:t>
+              <a:t>22. 10. 2017</a:t>
             </a:fld>
             <a:endParaRPr lang="cs-CZ"/>
           </a:p>
@@ -414,10 +416,9 @@
           <a:lstStyle/>
           <a:p>
             <a:r>
-              <a:rPr lang="cs-CZ" smtClean="0"/>
+              <a:rPr lang="cs-CZ"/>
               <a:t>Klepnutím lze upravit styl předlohy nadpisů.</a:t>
             </a:r>
-            <a:endParaRPr lang="cs-CZ"/>
           </a:p>
         </p:txBody>
       </p:sp>
@@ -438,38 +439,37 @@
           <a:p>
             <a:pPr lvl="0"/>
             <a:r>
-              <a:rPr lang="cs-CZ" smtClean="0"/>
+              <a:rPr lang="cs-CZ"/>
               <a:t>Klepnutím lze upravit styly předlohy textu.</a:t>
             </a:r>
           </a:p>
           <a:p>
             <a:pPr lvl="1"/>
             <a:r>
-              <a:rPr lang="cs-CZ" smtClean="0"/>
+              <a:rPr lang="cs-CZ"/>
               <a:t>Druhá úroveň</a:t>
             </a:r>
           </a:p>
           <a:p>
             <a:pPr lvl="2"/>
             <a:r>
-              <a:rPr lang="cs-CZ" smtClean="0"/>
+              <a:rPr lang="cs-CZ"/>
               <a:t>Třetí úroveň</a:t>
             </a:r>
           </a:p>
           <a:p>
             <a:pPr lvl="3"/>
             <a:r>
-              <a:rPr lang="cs-CZ" smtClean="0"/>
+              <a:rPr lang="cs-CZ"/>
               <a:t>Čtvrtá úroveň</a:t>
             </a:r>
           </a:p>
           <a:p>
             <a:pPr lvl="4"/>
             <a:r>
-              <a:rPr lang="cs-CZ" smtClean="0"/>
+              <a:rPr lang="cs-CZ"/>
               <a:t>Pátá úroveň</a:t>
             </a:r>
-            <a:endParaRPr lang="cs-CZ"/>
           </a:p>
         </p:txBody>
       </p:sp>
@@ -491,7 +491,7 @@
             <a:fld id="{18A2481B-5154-415F-B752-558547769AA3}" type="datetimeFigureOut">
               <a:rPr lang="cs-CZ" smtClean="0"/>
               <a:pPr/>
-              <a:t>19. 11. 2014</a:t>
+              <a:t>22. 10. 2017</a:t>
             </a:fld>
             <a:endParaRPr lang="cs-CZ"/>
           </a:p>
@@ -586,10 +586,9 @@
           <a:lstStyle/>
           <a:p>
             <a:r>
-              <a:rPr lang="cs-CZ" smtClean="0"/>
+              <a:rPr lang="cs-CZ"/>
               <a:t>Klepnutím lze upravit styl předlohy nadpisů.</a:t>
             </a:r>
-            <a:endParaRPr lang="cs-CZ"/>
           </a:p>
         </p:txBody>
       </p:sp>
@@ -615,38 +614,37 @@
           <a:p>
             <a:pPr lvl="0"/>
             <a:r>
-              <a:rPr lang="cs-CZ" smtClean="0"/>
+              <a:rPr lang="cs-CZ"/>
               <a:t>Klepnutím lze upravit styly předlohy textu.</a:t>
             </a:r>
           </a:p>
           <a:p>
             <a:pPr lvl="1"/>
             <a:r>
-              <a:rPr lang="cs-CZ" smtClean="0"/>
+              <a:rPr lang="cs-CZ"/>
               <a:t>Druhá úroveň</a:t>
             </a:r>
           </a:p>
           <a:p>
             <a:pPr lvl="2"/>
             <a:r>
-              <a:rPr lang="cs-CZ" smtClean="0"/>
+              <a:rPr lang="cs-CZ"/>
               <a:t>Třetí úroveň</a:t>
             </a:r>
           </a:p>
           <a:p>
             <a:pPr lvl="3"/>
             <a:r>
-              <a:rPr lang="cs-CZ" smtClean="0"/>
+              <a:rPr lang="cs-CZ"/>
               <a:t>Čtvrtá úroveň</a:t>
             </a:r>
           </a:p>
           <a:p>
             <a:pPr lvl="4"/>
             <a:r>
-              <a:rPr lang="cs-CZ" smtClean="0"/>
+              <a:rPr lang="cs-CZ"/>
               <a:t>Pátá úroveň</a:t>
             </a:r>
-            <a:endParaRPr lang="cs-CZ"/>
           </a:p>
         </p:txBody>
       </p:sp>
@@ -668,7 +666,7 @@
             <a:fld id="{18A2481B-5154-415F-B752-558547769AA3}" type="datetimeFigureOut">
               <a:rPr lang="cs-CZ" smtClean="0"/>
               <a:pPr/>
-              <a:t>19. 11. 2014</a:t>
+              <a:t>22. 10. 2017</a:t>
             </a:fld>
             <a:endParaRPr lang="cs-CZ"/>
           </a:p>
@@ -758,10 +756,9 @@
           <a:lstStyle/>
           <a:p>
             <a:r>
-              <a:rPr lang="cs-CZ" smtClean="0"/>
+              <a:rPr lang="cs-CZ"/>
               <a:t>Klepnutím lze upravit styl předlohy nadpisů.</a:t>
             </a:r>
-            <a:endParaRPr lang="cs-CZ"/>
           </a:p>
         </p:txBody>
       </p:sp>
@@ -782,38 +779,37 @@
           <a:p>
             <a:pPr lvl="0"/>
             <a:r>
-              <a:rPr lang="cs-CZ" smtClean="0"/>
+              <a:rPr lang="cs-CZ"/>
               <a:t>Klepnutím lze upravit styly předlohy textu.</a:t>
             </a:r>
           </a:p>
           <a:p>
             <a:pPr lvl="1"/>
             <a:r>
-              <a:rPr lang="cs-CZ" smtClean="0"/>
+              <a:rPr lang="cs-CZ"/>
               <a:t>Druhá úroveň</a:t>
             </a:r>
           </a:p>
           <a:p>
             <a:pPr lvl="2"/>
             <a:r>
-              <a:rPr lang="cs-CZ" smtClean="0"/>
+              <a:rPr lang="cs-CZ"/>
               <a:t>Třetí úroveň</a:t>
             </a:r>
           </a:p>
           <a:p>
             <a:pPr lvl="3"/>
             <a:r>
-              <a:rPr lang="cs-CZ" smtClean="0"/>
+              <a:rPr lang="cs-CZ"/>
               <a:t>Čtvrtá úroveň</a:t>
             </a:r>
           </a:p>
           <a:p>
             <a:pPr lvl="4"/>
             <a:r>
-              <a:rPr lang="cs-CZ" smtClean="0"/>
+              <a:rPr lang="cs-CZ"/>
               <a:t>Pátá úroveň</a:t>
             </a:r>
-            <a:endParaRPr lang="cs-CZ"/>
           </a:p>
         </p:txBody>
       </p:sp>
@@ -835,7 +831,7 @@
             <a:fld id="{18A2481B-5154-415F-B752-558547769AA3}" type="datetimeFigureOut">
               <a:rPr lang="cs-CZ" smtClean="0"/>
               <a:pPr/>
-              <a:t>19. 11. 2014</a:t>
+              <a:t>22. 10. 2017</a:t>
             </a:fld>
             <a:endParaRPr lang="cs-CZ"/>
           </a:p>
@@ -934,10 +930,9 @@
           </a:lstStyle>
           <a:p>
             <a:r>
-              <a:rPr lang="cs-CZ" smtClean="0"/>
+              <a:rPr lang="cs-CZ"/>
               <a:t>Klepnutím lze upravit styl předlohy nadpisů.</a:t>
             </a:r>
-            <a:endParaRPr lang="cs-CZ"/>
           </a:p>
         </p:txBody>
       </p:sp>
@@ -1054,7 +1049,7 @@
           <a:p>
             <a:pPr lvl="0"/>
             <a:r>
-              <a:rPr lang="cs-CZ" smtClean="0"/>
+              <a:rPr lang="cs-CZ"/>
               <a:t>Klepnutím lze upravit styly předlohy textu.</a:t>
             </a:r>
           </a:p>
@@ -1078,7 +1073,7 @@
             <a:fld id="{18A2481B-5154-415F-B752-558547769AA3}" type="datetimeFigureOut">
               <a:rPr lang="cs-CZ" smtClean="0"/>
               <a:pPr/>
-              <a:t>19. 11. 2014</a:t>
+              <a:t>22. 10. 2017</a:t>
             </a:fld>
             <a:endParaRPr lang="cs-CZ"/>
           </a:p>
@@ -1168,10 +1163,9 @@
           <a:lstStyle/>
           <a:p>
             <a:r>
-              <a:rPr lang="cs-CZ" smtClean="0"/>
+              <a:rPr lang="cs-CZ"/>
               <a:t>Klepnutím lze upravit styl předlohy nadpisů.</a:t>
             </a:r>
-            <a:endParaRPr lang="cs-CZ"/>
           </a:p>
         </p:txBody>
       </p:sp>
@@ -1225,38 +1219,37 @@
           <a:p>
             <a:pPr lvl="0"/>
             <a:r>
-              <a:rPr lang="cs-CZ" smtClean="0"/>
+              <a:rPr lang="cs-CZ"/>
               <a:t>Klepnutím lze upravit styly předlohy textu.</a:t>
             </a:r>
           </a:p>
           <a:p>
             <a:pPr lvl="1"/>
             <a:r>
-              <a:rPr lang="cs-CZ" smtClean="0"/>
+              <a:rPr lang="cs-CZ"/>
               <a:t>Druhá úroveň</a:t>
             </a:r>
           </a:p>
           <a:p>
             <a:pPr lvl="2"/>
             <a:r>
-              <a:rPr lang="cs-CZ" smtClean="0"/>
+              <a:rPr lang="cs-CZ"/>
               <a:t>Třetí úroveň</a:t>
             </a:r>
           </a:p>
           <a:p>
             <a:pPr lvl="3"/>
             <a:r>
-              <a:rPr lang="cs-CZ" smtClean="0"/>
+              <a:rPr lang="cs-CZ"/>
               <a:t>Čtvrtá úroveň</a:t>
             </a:r>
           </a:p>
           <a:p>
             <a:pPr lvl="4"/>
             <a:r>
-              <a:rPr lang="cs-CZ" smtClean="0"/>
+              <a:rPr lang="cs-CZ"/>
               <a:t>Pátá úroveň</a:t>
             </a:r>
-            <a:endParaRPr lang="cs-CZ"/>
           </a:p>
         </p:txBody>
       </p:sp>
@@ -1310,38 +1303,37 @@
           <a:p>
             <a:pPr lvl="0"/>
             <a:r>
-              <a:rPr lang="cs-CZ" smtClean="0"/>
+              <a:rPr lang="cs-CZ"/>
               <a:t>Klepnutím lze upravit styly předlohy textu.</a:t>
             </a:r>
           </a:p>
           <a:p>
             <a:pPr lvl="1"/>
             <a:r>
-              <a:rPr lang="cs-CZ" smtClean="0"/>
+              <a:rPr lang="cs-CZ"/>
               <a:t>Druhá úroveň</a:t>
             </a:r>
           </a:p>
           <a:p>
             <a:pPr lvl="2"/>
             <a:r>
-              <a:rPr lang="cs-CZ" smtClean="0"/>
+              <a:rPr lang="cs-CZ"/>
               <a:t>Třetí úroveň</a:t>
             </a:r>
           </a:p>
           <a:p>
             <a:pPr lvl="3"/>
             <a:r>
-              <a:rPr lang="cs-CZ" smtClean="0"/>
+              <a:rPr lang="cs-CZ"/>
               <a:t>Čtvrtá úroveň</a:t>
             </a:r>
           </a:p>
           <a:p>
             <a:pPr lvl="4"/>
             <a:r>
-              <a:rPr lang="cs-CZ" smtClean="0"/>
+              <a:rPr lang="cs-CZ"/>
               <a:t>Pátá úroveň</a:t>
             </a:r>
-            <a:endParaRPr lang="cs-CZ"/>
           </a:p>
         </p:txBody>
       </p:sp>
@@ -1363,7 +1355,7 @@
             <a:fld id="{18A2481B-5154-415F-B752-558547769AA3}" type="datetimeFigureOut">
               <a:rPr lang="cs-CZ" smtClean="0"/>
               <a:pPr/>
-              <a:t>19. 11. 2014</a:t>
+              <a:t>22. 10. 2017</a:t>
             </a:fld>
             <a:endParaRPr lang="cs-CZ"/>
           </a:p>
@@ -1457,10 +1449,9 @@
           </a:lstStyle>
           <a:p>
             <a:r>
-              <a:rPr lang="cs-CZ" smtClean="0"/>
+              <a:rPr lang="cs-CZ"/>
               <a:t>Klepnutím lze upravit styl předlohy nadpisů.</a:t>
             </a:r>
-            <a:endParaRPr lang="cs-CZ"/>
           </a:p>
         </p:txBody>
       </p:sp>
@@ -1523,7 +1514,7 @@
           <a:p>
             <a:pPr lvl="0"/>
             <a:r>
-              <a:rPr lang="cs-CZ" smtClean="0"/>
+              <a:rPr lang="cs-CZ"/>
               <a:t>Klepnutím lze upravit styly předlohy textu.</a:t>
             </a:r>
           </a:p>
@@ -1579,38 +1570,37 @@
           <a:p>
             <a:pPr lvl="0"/>
             <a:r>
-              <a:rPr lang="cs-CZ" smtClean="0"/>
+              <a:rPr lang="cs-CZ"/>
               <a:t>Klepnutím lze upravit styly předlohy textu.</a:t>
             </a:r>
           </a:p>
           <a:p>
             <a:pPr lvl="1"/>
             <a:r>
-              <a:rPr lang="cs-CZ" smtClean="0"/>
+              <a:rPr lang="cs-CZ"/>
               <a:t>Druhá úroveň</a:t>
             </a:r>
           </a:p>
           <a:p>
             <a:pPr lvl="2"/>
             <a:r>
-              <a:rPr lang="cs-CZ" smtClean="0"/>
+              <a:rPr lang="cs-CZ"/>
               <a:t>Třetí úroveň</a:t>
             </a:r>
           </a:p>
           <a:p>
             <a:pPr lvl="3"/>
             <a:r>
-              <a:rPr lang="cs-CZ" smtClean="0"/>
+              <a:rPr lang="cs-CZ"/>
               <a:t>Čtvrtá úroveň</a:t>
             </a:r>
           </a:p>
           <a:p>
             <a:pPr lvl="4"/>
             <a:r>
-              <a:rPr lang="cs-CZ" smtClean="0"/>
+              <a:rPr lang="cs-CZ"/>
               <a:t>Pátá úroveň</a:t>
             </a:r>
-            <a:endParaRPr lang="cs-CZ"/>
           </a:p>
         </p:txBody>
       </p:sp>
@@ -1673,7 +1663,7 @@
           <a:p>
             <a:pPr lvl="0"/>
             <a:r>
-              <a:rPr lang="cs-CZ" smtClean="0"/>
+              <a:rPr lang="cs-CZ"/>
               <a:t>Klepnutím lze upravit styly předlohy textu.</a:t>
             </a:r>
           </a:p>
@@ -1729,38 +1719,37 @@
           <a:p>
             <a:pPr lvl="0"/>
             <a:r>
-              <a:rPr lang="cs-CZ" smtClean="0"/>
+              <a:rPr lang="cs-CZ"/>
               <a:t>Klepnutím lze upravit styly předlohy textu.</a:t>
             </a:r>
           </a:p>
           <a:p>
             <a:pPr lvl="1"/>
             <a:r>
-              <a:rPr lang="cs-CZ" smtClean="0"/>
+              <a:rPr lang="cs-CZ"/>
               <a:t>Druhá úroveň</a:t>
             </a:r>
           </a:p>
           <a:p>
             <a:pPr lvl="2"/>
             <a:r>
-              <a:rPr lang="cs-CZ" smtClean="0"/>
+              <a:rPr lang="cs-CZ"/>
               <a:t>Třetí úroveň</a:t>
             </a:r>
           </a:p>
           <a:p>
             <a:pPr lvl="3"/>
             <a:r>
-              <a:rPr lang="cs-CZ" smtClean="0"/>
+              <a:rPr lang="cs-CZ"/>
               <a:t>Čtvrtá úroveň</a:t>
             </a:r>
           </a:p>
           <a:p>
             <a:pPr lvl="4"/>
             <a:r>
-              <a:rPr lang="cs-CZ" smtClean="0"/>
+              <a:rPr lang="cs-CZ"/>
               <a:t>Pátá úroveň</a:t>
             </a:r>
-            <a:endParaRPr lang="cs-CZ"/>
           </a:p>
         </p:txBody>
       </p:sp>
@@ -1782,7 +1771,7 @@
             <a:fld id="{18A2481B-5154-415F-B752-558547769AA3}" type="datetimeFigureOut">
               <a:rPr lang="cs-CZ" smtClean="0"/>
               <a:pPr/>
-              <a:t>19. 11. 2014</a:t>
+              <a:t>22. 10. 2017</a:t>
             </a:fld>
             <a:endParaRPr lang="cs-CZ"/>
           </a:p>
@@ -1872,10 +1861,9 @@
           <a:lstStyle/>
           <a:p>
             <a:r>
-              <a:rPr lang="cs-CZ" smtClean="0"/>
+              <a:rPr lang="cs-CZ"/>
               <a:t>Klepnutím lze upravit styl předlohy nadpisů.</a:t>
             </a:r>
-            <a:endParaRPr lang="cs-CZ"/>
           </a:p>
         </p:txBody>
       </p:sp>
@@ -1897,7 +1885,7 @@
             <a:fld id="{18A2481B-5154-415F-B752-558547769AA3}" type="datetimeFigureOut">
               <a:rPr lang="cs-CZ" smtClean="0"/>
               <a:pPr/>
-              <a:t>19. 11. 2014</a:t>
+              <a:t>22. 10. 2017</a:t>
             </a:fld>
             <a:endParaRPr lang="cs-CZ"/>
           </a:p>
@@ -1989,7 +1977,7 @@
             <a:fld id="{18A2481B-5154-415F-B752-558547769AA3}" type="datetimeFigureOut">
               <a:rPr lang="cs-CZ" smtClean="0"/>
               <a:pPr/>
-              <a:t>19. 11. 2014</a:t>
+              <a:t>22. 10. 2017</a:t>
             </a:fld>
             <a:endParaRPr lang="cs-CZ"/>
           </a:p>
@@ -2088,10 +2076,9 @@
           </a:lstStyle>
           <a:p>
             <a:r>
-              <a:rPr lang="cs-CZ" smtClean="0"/>
+              <a:rPr lang="cs-CZ"/>
               <a:t>Klepnutím lze upravit styl předlohy nadpisů.</a:t>
             </a:r>
-            <a:endParaRPr lang="cs-CZ"/>
           </a:p>
         </p:txBody>
       </p:sp>
@@ -2145,38 +2132,37 @@
           <a:p>
             <a:pPr lvl="0"/>
             <a:r>
-              <a:rPr lang="cs-CZ" smtClean="0"/>
+              <a:rPr lang="cs-CZ"/>
               <a:t>Klepnutím lze upravit styly předlohy textu.</a:t>
             </a:r>
           </a:p>
           <a:p>
             <a:pPr lvl="1"/>
             <a:r>
-              <a:rPr lang="cs-CZ" smtClean="0"/>
+              <a:rPr lang="cs-CZ"/>
               <a:t>Druhá úroveň</a:t>
             </a:r>
           </a:p>
           <a:p>
             <a:pPr lvl="2"/>
             <a:r>
-              <a:rPr lang="cs-CZ" smtClean="0"/>
+              <a:rPr lang="cs-CZ"/>
               <a:t>Třetí úroveň</a:t>
             </a:r>
           </a:p>
           <a:p>
             <a:pPr lvl="3"/>
             <a:r>
-              <a:rPr lang="cs-CZ" smtClean="0"/>
+              <a:rPr lang="cs-CZ"/>
               <a:t>Čtvrtá úroveň</a:t>
             </a:r>
           </a:p>
           <a:p>
             <a:pPr lvl="4"/>
             <a:r>
-              <a:rPr lang="cs-CZ" smtClean="0"/>
+              <a:rPr lang="cs-CZ"/>
               <a:t>Pátá úroveň</a:t>
             </a:r>
-            <a:endParaRPr lang="cs-CZ"/>
           </a:p>
         </p:txBody>
       </p:sp>
@@ -2239,7 +2225,7 @@
           <a:p>
             <a:pPr lvl="0"/>
             <a:r>
-              <a:rPr lang="cs-CZ" smtClean="0"/>
+              <a:rPr lang="cs-CZ"/>
               <a:t>Klepnutím lze upravit styly předlohy textu.</a:t>
             </a:r>
           </a:p>
@@ -2263,7 +2249,7 @@
             <a:fld id="{18A2481B-5154-415F-B752-558547769AA3}" type="datetimeFigureOut">
               <a:rPr lang="cs-CZ" smtClean="0"/>
               <a:pPr/>
-              <a:t>19. 11. 2014</a:t>
+              <a:t>22. 10. 2017</a:t>
             </a:fld>
             <a:endParaRPr lang="cs-CZ"/>
           </a:p>
@@ -2362,10 +2348,9 @@
           </a:lstStyle>
           <a:p>
             <a:r>
-              <a:rPr lang="cs-CZ" smtClean="0"/>
+              <a:rPr lang="cs-CZ"/>
               <a:t>Klepnutím lze upravit styl předlohy nadpisů.</a:t>
             </a:r>
-            <a:endParaRPr lang="cs-CZ"/>
           </a:p>
         </p:txBody>
       </p:sp>
@@ -2489,7 +2474,7 @@
           <a:p>
             <a:pPr lvl="0"/>
             <a:r>
-              <a:rPr lang="cs-CZ" smtClean="0"/>
+              <a:rPr lang="cs-CZ"/>
               <a:t>Klepnutím lze upravit styly předlohy textu.</a:t>
             </a:r>
           </a:p>
@@ -2513,7 +2498,7 @@
             <a:fld id="{18A2481B-5154-415F-B752-558547769AA3}" type="datetimeFigureOut">
               <a:rPr lang="cs-CZ" smtClean="0"/>
               <a:pPr/>
-              <a:t>19. 11. 2014</a:t>
+              <a:t>22. 10. 2017</a:t>
             </a:fld>
             <a:endParaRPr lang="cs-CZ"/>
           </a:p>
@@ -2618,10 +2603,9 @@
           <a:lstStyle/>
           <a:p>
             <a:r>
-              <a:rPr lang="cs-CZ" smtClean="0"/>
+              <a:rPr lang="cs-CZ"/>
               <a:t>Klepnutím lze upravit styl předlohy nadpisů.</a:t>
             </a:r>
-            <a:endParaRPr lang="cs-CZ"/>
           </a:p>
         </p:txBody>
       </p:sp>
@@ -2652,38 +2636,37 @@
           <a:p>
             <a:pPr lvl="0"/>
             <a:r>
-              <a:rPr lang="cs-CZ" smtClean="0"/>
+              <a:rPr lang="cs-CZ"/>
               <a:t>Klepnutím lze upravit styly předlohy textu.</a:t>
             </a:r>
           </a:p>
           <a:p>
             <a:pPr lvl="1"/>
             <a:r>
-              <a:rPr lang="cs-CZ" smtClean="0"/>
+              <a:rPr lang="cs-CZ"/>
               <a:t>Druhá úroveň</a:t>
             </a:r>
           </a:p>
           <a:p>
             <a:pPr lvl="2"/>
             <a:r>
-              <a:rPr lang="cs-CZ" smtClean="0"/>
+              <a:rPr lang="cs-CZ"/>
               <a:t>Třetí úroveň</a:t>
             </a:r>
           </a:p>
           <a:p>
             <a:pPr lvl="3"/>
             <a:r>
-              <a:rPr lang="cs-CZ" smtClean="0"/>
+              <a:rPr lang="cs-CZ"/>
               <a:t>Čtvrtá úroveň</a:t>
             </a:r>
           </a:p>
           <a:p>
             <a:pPr lvl="4"/>
             <a:r>
-              <a:rPr lang="cs-CZ" smtClean="0"/>
+              <a:rPr lang="cs-CZ"/>
               <a:t>Pátá úroveň</a:t>
             </a:r>
-            <a:endParaRPr lang="cs-CZ"/>
           </a:p>
         </p:txBody>
       </p:sp>
@@ -2723,7 +2706,7 @@
             <a:fld id="{18A2481B-5154-415F-B752-558547769AA3}" type="datetimeFigureOut">
               <a:rPr lang="cs-CZ" smtClean="0"/>
               <a:pPr/>
-              <a:t>19. 11. 2014</a:t>
+              <a:t>22. 10. 2017</a:t>
             </a:fld>
             <a:endParaRPr lang="cs-CZ"/>
           </a:p>
@@ -3110,11 +3093,11 @@
           <a:lstStyle/>
           <a:p>
             <a:r>
-              <a:rPr lang="en-US" dirty="0" err="1" smtClean="0"/>
+              <a:rPr lang="en-US" dirty="0" err="1"/>
               <a:t>Physiolibrary</a:t>
             </a:r>
             <a:r>
-              <a:rPr lang="en-US" dirty="0" smtClean="0"/>
+              <a:rPr lang="en-US" dirty="0"/>
               <a:t> 2.3</a:t>
             </a:r>
             <a:endParaRPr lang="cs-CZ" dirty="0"/>
@@ -3137,7 +3120,7 @@
           <a:lstStyle/>
           <a:p>
             <a:r>
-              <a:rPr lang="en-US" dirty="0" smtClean="0"/>
+              <a:rPr lang="en-US" dirty="0"/>
               <a:t>www.physiolibrary.org</a:t>
             </a:r>
             <a:endParaRPr lang="cs-CZ" dirty="0"/>
@@ -3149,13 +3132,6 @@
   <p:clrMapOvr>
     <a:masterClrMapping/>
   </p:clrMapOvr>
-  <p:timing>
-    <p:tnLst>
-      <p:par>
-        <p:cTn id="1" dur="indefinite" restart="never" nodeType="tmRoot"/>
-      </p:par>
-    </p:tnLst>
-  </p:timing>
 </p:sld>
 </file>
 
@@ -3192,7 +3168,7 @@
           <a:lstStyle/>
           <a:p>
             <a:r>
-              <a:rPr lang="en-US" dirty="0" smtClean="0"/>
+              <a:rPr lang="en-US" dirty="0"/>
               <a:t>Chemical Reaction</a:t>
             </a:r>
             <a:endParaRPr lang="cs-CZ" dirty="0"/>
@@ -3260,13 +3236,6 @@
   <p:clrMapOvr>
     <a:masterClrMapping/>
   </p:clrMapOvr>
-  <p:timing>
-    <p:tnLst>
-      <p:par>
-        <p:cTn id="1" dur="indefinite" restart="never" nodeType="tmRoot"/>
-      </p:par>
-    </p:tnLst>
-  </p:timing>
 </p:sld>
 </file>
 
@@ -3303,7 +3272,7 @@
           <a:lstStyle/>
           <a:p>
             <a:r>
-              <a:rPr lang="en-US" dirty="0" smtClean="0"/>
+              <a:rPr lang="en-US" dirty="0"/>
               <a:t>Chemical Reaction</a:t>
             </a:r>
             <a:endParaRPr lang="cs-CZ" dirty="0"/>
@@ -3371,13 +3340,6 @@
   <p:clrMapOvr>
     <a:masterClrMapping/>
   </p:clrMapOvr>
-  <p:timing>
-    <p:tnLst>
-      <p:par>
-        <p:cTn id="1" dur="indefinite" restart="never" nodeType="tmRoot"/>
-      </p:par>
-    </p:tnLst>
-  </p:timing>
 </p:sld>
 </file>
 
@@ -3414,7 +3376,7 @@
           <a:lstStyle/>
           <a:p>
             <a:r>
-              <a:rPr lang="en-US" dirty="0" smtClean="0"/>
+              <a:rPr lang="en-US" dirty="0"/>
               <a:t>Chemical Reaction</a:t>
             </a:r>
             <a:endParaRPr lang="cs-CZ" dirty="0"/>
@@ -3482,13 +3444,6 @@
   <p:clrMapOvr>
     <a:masterClrMapping/>
   </p:clrMapOvr>
-  <p:timing>
-    <p:tnLst>
-      <p:par>
-        <p:cTn id="1" dur="indefinite" restart="never" nodeType="tmRoot"/>
-      </p:par>
-    </p:tnLst>
-  </p:timing>
 </p:sld>
 </file>
 
@@ -3572,16 +3527,12 @@
           <a:lstStyle/>
           <a:p>
             <a:r>
-              <a:rPr lang="cs-CZ" dirty="0" smtClean="0"/>
+              <a:rPr lang="cs-CZ" dirty="0"/>
               <a:t>ARRAY</a:t>
             </a:r>
             <a:r>
-              <a:rPr lang="en-US" dirty="0" smtClean="0"/>
-              <a:t> </a:t>
-            </a:r>
-            <a:r>
-              <a:rPr lang="en-US" dirty="0" smtClean="0"/>
-              <a:t>INPUTS</a:t>
+              <a:rPr lang="en-US" dirty="0"/>
+              <a:t> INPUTS</a:t>
             </a:r>
             <a:endParaRPr lang="cs-CZ" dirty="0"/>
           </a:p>
@@ -3661,13 +3612,6 @@
   <p:clrMapOvr>
     <a:masterClrMapping/>
   </p:clrMapOvr>
-  <p:timing>
-    <p:tnLst>
-      <p:par>
-        <p:cTn id="1" dur="indefinite" restart="never" nodeType="tmRoot"/>
-      </p:par>
-    </p:tnLst>
-  </p:timing>
 </p:sld>
 </file>
 
@@ -3704,7 +3648,7 @@
           <a:lstStyle/>
           <a:p>
             <a:r>
-              <a:rPr lang="en-US" dirty="0" smtClean="0"/>
+              <a:rPr lang="en-US" dirty="0"/>
               <a:t>STEADY STATES</a:t>
             </a:r>
             <a:endParaRPr lang="cs-CZ" dirty="0"/>
@@ -3732,15 +3676,15 @@
           <a:lstStyle/>
           <a:p>
             <a:r>
-              <a:rPr lang="en-US" dirty="0" smtClean="0"/>
+              <a:rPr lang="en-US" dirty="0"/>
               <a:t>Zero derivations (</a:t>
             </a:r>
             <a:r>
-              <a:rPr lang="en-US" i="1" dirty="0" smtClean="0"/>
+              <a:rPr lang="en-US" i="1" dirty="0"/>
               <a:t>dependent equation set</a:t>
             </a:r>
             <a:r>
-              <a:rPr lang="en-US" dirty="0" smtClean="0"/>
+              <a:rPr lang="en-US" dirty="0"/>
               <a:t>)</a:t>
             </a:r>
           </a:p>
@@ -4080,13 +4024,6 @@
     <a:masterClrMapping/>
   </p:clrMapOvr>
   <p:transition/>
-  <p:timing>
-    <p:tnLst>
-      <p:par>
-        <p:cTn id="1" dur="indefinite" restart="never" nodeType="tmRoot"/>
-      </p:par>
-    </p:tnLst>
-  </p:timing>
 </p:sld>
 </file>
 
@@ -4160,7 +4097,7 @@
           <a:lstStyle/>
           <a:p>
             <a:r>
-              <a:rPr lang="en-US" dirty="0" smtClean="0"/>
+              <a:rPr lang="en-US" dirty="0"/>
               <a:t>Hydraulic</a:t>
             </a:r>
             <a:endParaRPr lang="cs-CZ" dirty="0"/>
@@ -4196,13 +4133,6 @@
   <p:clrMapOvr>
     <a:masterClrMapping/>
   </p:clrMapOvr>
-  <p:timing>
-    <p:tnLst>
-      <p:par>
-        <p:cTn id="1" dur="indefinite" restart="never" nodeType="tmRoot"/>
-      </p:par>
-    </p:tnLst>
-  </p:timing>
 </p:sld>
 </file>
 
@@ -4268,7 +4198,7 @@
           <a:lstStyle/>
           <a:p>
             <a:r>
-              <a:rPr lang="en-US" dirty="0" smtClean="0"/>
+              <a:rPr lang="en-US" dirty="0"/>
               <a:t>Osmotic</a:t>
             </a:r>
             <a:endParaRPr lang="cs-CZ" dirty="0"/>
@@ -4464,13 +4394,6 @@
   <p:clrMapOvr>
     <a:masterClrMapping/>
   </p:clrMapOvr>
-  <p:timing>
-    <p:tnLst>
-      <p:par>
-        <p:cTn id="1" dur="indefinite" restart="never" nodeType="tmRoot"/>
-      </p:par>
-    </p:tnLst>
-  </p:timing>
 </p:sld>
 </file>
 
@@ -4536,7 +4459,7 @@
           <a:lstStyle/>
           <a:p>
             <a:r>
-              <a:rPr lang="en-US" dirty="0" smtClean="0"/>
+              <a:rPr lang="en-US" dirty="0"/>
               <a:t>Population</a:t>
             </a:r>
             <a:endParaRPr lang="cs-CZ" dirty="0"/>
@@ -4641,13 +4564,6 @@
   <p:clrMapOvr>
     <a:masterClrMapping/>
   </p:clrMapOvr>
-  <p:timing>
-    <p:tnLst>
-      <p:par>
-        <p:cTn id="1" dur="indefinite" restart="never" nodeType="tmRoot"/>
-      </p:par>
-    </p:tnLst>
-  </p:timing>
 </p:sld>
 </file>
 
@@ -4785,7 +4701,7 @@
           <a:lstStyle/>
           <a:p>
             <a:r>
-              <a:rPr lang="en-US" dirty="0" smtClean="0"/>
+              <a:rPr lang="en-US" dirty="0"/>
               <a:t>Thermal</a:t>
             </a:r>
             <a:endParaRPr lang="cs-CZ" dirty="0"/>
@@ -4861,13 +4777,6 @@
   <p:clrMapOvr>
     <a:masterClrMapping/>
   </p:clrMapOvr>
-  <p:timing>
-    <p:tnLst>
-      <p:par>
-        <p:cTn id="1" dur="indefinite" restart="never" nodeType="tmRoot"/>
-      </p:par>
-    </p:tnLst>
-  </p:timing>
 </p:sld>
 </file>
 
@@ -4963,13 +4872,6 @@
   <p:clrMapOvr>
     <a:masterClrMapping/>
   </p:clrMapOvr>
-  <p:timing>
-    <p:tnLst>
-      <p:par>
-        <p:cTn id="1" dur="indefinite" restart="never" nodeType="tmRoot"/>
-      </p:par>
-    </p:tnLst>
-  </p:timing>
 </p:sld>
 </file>
 
@@ -5030,7 +4932,7 @@
           <a:lstStyle/>
           <a:p>
             <a:r>
-              <a:rPr lang="en-US" dirty="0" smtClean="0"/>
+              <a:rPr lang="en-US" dirty="0"/>
               <a:t>Physiolibrary Structure</a:t>
             </a:r>
             <a:endParaRPr lang="cs-CZ" dirty="0"/>
@@ -5186,13 +5088,6 @@
   <p:clrMapOvr>
     <a:masterClrMapping/>
   </p:clrMapOvr>
-  <p:timing>
-    <p:tnLst>
-      <p:par>
-        <p:cTn id="1" dur="indefinite" restart="never" nodeType="tmRoot"/>
-      </p:par>
-    </p:tnLst>
-  </p:timing>
 </p:sld>
 </file>
 
@@ -5234,7 +5129,7 @@
           <a:lstStyle/>
           <a:p>
             <a:r>
-              <a:rPr lang="en-US" dirty="0" smtClean="0"/>
+              <a:rPr lang="en-US" dirty="0"/>
               <a:t>Thank you for your attention!</a:t>
             </a:r>
             <a:endParaRPr lang="cs-CZ" dirty="0"/>
@@ -5265,7 +5160,7 @@
               <a:buNone/>
             </a:pPr>
             <a:r>
-              <a:rPr lang="en-US" dirty="0" smtClean="0"/>
+              <a:rPr lang="en-US" dirty="0"/>
               <a:t>www.physiolibrary.org</a:t>
             </a:r>
             <a:endParaRPr lang="cs-CZ" dirty="0"/>
@@ -5277,13 +5172,6 @@
   <p:clrMapOvr>
     <a:masterClrMapping/>
   </p:clrMapOvr>
-  <p:timing>
-    <p:tnLst>
-      <p:par>
-        <p:cTn id="1" dur="indefinite" restart="never" nodeType="tmRoot"/>
-      </p:par>
-    </p:tnLst>
-  </p:timing>
 </p:sld>
 </file>
 
@@ -5325,7 +5213,7 @@
           <a:lstStyle/>
           <a:p>
             <a:r>
-              <a:rPr lang="en-US" dirty="0" smtClean="0"/>
+              <a:rPr lang="en-US" dirty="0"/>
               <a:t>Icons</a:t>
             </a:r>
             <a:endParaRPr lang="cs-CZ" dirty="0"/>
@@ -5361,13 +5249,6 @@
   <p:clrMapOvr>
     <a:masterClrMapping/>
   </p:clrMapOvr>
-  <p:timing>
-    <p:tnLst>
-      <p:par>
-        <p:cTn id="1" dur="indefinite" restart="never" nodeType="tmRoot"/>
-      </p:par>
-    </p:tnLst>
-  </p:timing>
 </p:sld>
 </file>
 
@@ -5409,7 +5290,7 @@
           <a:lstStyle/>
           <a:p>
             <a:r>
-              <a:rPr lang="en-US" dirty="0" err="1" smtClean="0"/>
+              <a:rPr lang="en-US" dirty="0" err="1"/>
               <a:t>Blocks.Factors</a:t>
             </a:r>
             <a:endParaRPr lang="cs-CZ" dirty="0"/>
@@ -5517,13 +5398,6 @@
   <p:clrMapOvr>
     <a:masterClrMapping/>
   </p:clrMapOvr>
-  <p:timing>
-    <p:tnLst>
-      <p:par>
-        <p:cTn id="1" dur="indefinite" restart="never" nodeType="tmRoot"/>
-      </p:par>
-    </p:tnLst>
-  </p:timing>
 </p:sld>
 </file>
 
@@ -5560,7 +5434,7 @@
           <a:lstStyle/>
           <a:p>
             <a:r>
-              <a:rPr lang="en-US" dirty="0" smtClean="0"/>
+              <a:rPr lang="en-US" dirty="0"/>
               <a:t>Types</a:t>
             </a:r>
             <a:endParaRPr lang="cs-CZ" dirty="0"/>
@@ -5740,13 +5614,6 @@
   <p:clrMapOvr>
     <a:masterClrMapping/>
   </p:clrMapOvr>
-  <p:timing>
-    <p:tnLst>
-      <p:par>
-        <p:cTn id="1" dur="indefinite" restart="never" nodeType="tmRoot"/>
-      </p:par>
-    </p:tnLst>
-  </p:timing>
 </p:sld>
 </file>
 
@@ -5783,7 +5650,7 @@
           <a:lstStyle/>
           <a:p>
             <a:r>
-              <a:rPr lang="en-US" dirty="0" err="1" smtClean="0"/>
+              <a:rPr lang="en-US" dirty="0" err="1"/>
               <a:t>Types.Constants</a:t>
             </a:r>
             <a:endParaRPr lang="cs-CZ" dirty="0"/>
@@ -5972,13 +5839,6 @@
     <a:masterClrMapping/>
   </p:clrMapOvr>
   <p:transition/>
-  <p:timing>
-    <p:tnLst>
-      <p:par>
-        <p:cTn id="1" dur="indefinite" restart="never" nodeType="tmRoot"/>
-      </p:par>
-    </p:tnLst>
-  </p:timing>
 </p:sld>
 </file>
 
@@ -6022,7 +5882,7 @@
           <a:lstStyle/>
           <a:p>
             <a:r>
-              <a:rPr lang="en-US" dirty="0" smtClean="0"/>
+              <a:rPr lang="en-US" dirty="0"/>
               <a:t>Connectors</a:t>
             </a:r>
             <a:endParaRPr lang="cs-CZ" dirty="0"/>
@@ -6055,67 +5915,67 @@
               <a:buNone/>
             </a:pPr>
             <a:r>
-              <a:rPr lang="cs-CZ" b="1" dirty="0" err="1" smtClean="0"/>
+              <a:rPr lang="cs-CZ" b="1" dirty="0" err="1"/>
               <a:t>Chemical</a:t>
             </a:r>
             <a:r>
-              <a:rPr lang="en-US" b="1" dirty="0" smtClean="0"/>
+              <a:rPr lang="en-US" b="1" dirty="0"/>
               <a:t>Port </a:t>
             </a:r>
-            <a:endParaRPr lang="cs-CZ" dirty="0" smtClean="0"/>
+            <a:endParaRPr lang="cs-CZ" dirty="0"/>
           </a:p>
           <a:p>
             <a:pPr lvl="1" fontAlgn="t"/>
             <a:r>
-              <a:rPr lang="cs-CZ" dirty="0" err="1" smtClean="0"/>
+              <a:rPr lang="cs-CZ" dirty="0" err="1"/>
               <a:t>molar</a:t>
             </a:r>
             <a:r>
-              <a:rPr lang="cs-CZ" dirty="0" smtClean="0"/>
+              <a:rPr lang="cs-CZ" dirty="0"/>
               <a:t> </a:t>
             </a:r>
             <a:r>
-              <a:rPr lang="cs-CZ" dirty="0" err="1" smtClean="0"/>
+              <a:rPr lang="cs-CZ" dirty="0" err="1"/>
               <a:t>concentration</a:t>
             </a:r>
             <a:r>
-              <a:rPr lang="en-US" dirty="0" smtClean="0"/>
+              <a:rPr lang="en-US" dirty="0"/>
               <a:t>,  </a:t>
             </a:r>
             <a:r>
-              <a:rPr lang="cs-CZ" dirty="0" err="1" smtClean="0"/>
+              <a:rPr lang="cs-CZ" dirty="0" err="1"/>
               <a:t>molar</a:t>
             </a:r>
             <a:r>
-              <a:rPr lang="cs-CZ" dirty="0" smtClean="0"/>
+              <a:rPr lang="cs-CZ" dirty="0"/>
               <a:t> </a:t>
             </a:r>
             <a:r>
-              <a:rPr lang="cs-CZ" dirty="0" err="1" smtClean="0"/>
+              <a:rPr lang="cs-CZ" dirty="0" err="1"/>
               <a:t>flow</a:t>
             </a:r>
-            <a:endParaRPr lang="en-US" dirty="0" smtClean="0"/>
+            <a:endParaRPr lang="en-US" dirty="0"/>
           </a:p>
           <a:p>
             <a:pPr lvl="1" fontAlgn="t">
               <a:buNone/>
             </a:pPr>
-            <a:endParaRPr lang="cs-CZ" dirty="0" smtClean="0"/>
+            <a:endParaRPr lang="cs-CZ" dirty="0"/>
           </a:p>
           <a:p>
             <a:pPr marL="0" indent="0">
               <a:buNone/>
             </a:pPr>
             <a:r>
-              <a:rPr lang="en-US" b="1" dirty="0" err="1" smtClean="0"/>
+              <a:rPr lang="en-US" b="1" dirty="0" err="1"/>
               <a:t>HydraulicPort</a:t>
             </a:r>
-            <a:endParaRPr lang="en-US" dirty="0" smtClean="0"/>
+            <a:endParaRPr lang="en-US" dirty="0"/>
           </a:p>
           <a:p>
             <a:pPr lvl="1"/>
             <a:r>
-              <a:rPr lang="en-US" dirty="0" smtClean="0"/>
+              <a:rPr lang="en-US" dirty="0"/>
               <a:t>pressure, volumetric flow</a:t>
             </a:r>
           </a:p>
@@ -6123,55 +5983,55 @@
             <a:pPr lvl="1">
               <a:buNone/>
             </a:pPr>
-            <a:endParaRPr lang="en-US" dirty="0" smtClean="0"/>
+            <a:endParaRPr lang="en-US" dirty="0"/>
           </a:p>
           <a:p>
             <a:pPr marL="0" indent="0">
               <a:buNone/>
             </a:pPr>
             <a:r>
-              <a:rPr lang="en-US" b="1" dirty="0" err="1" smtClean="0"/>
+              <a:rPr lang="en-US" b="1" dirty="0" err="1"/>
               <a:t>ThermalPort</a:t>
             </a:r>
-            <a:endParaRPr lang="en-US" dirty="0" smtClean="0"/>
+            <a:endParaRPr lang="en-US" dirty="0"/>
           </a:p>
           <a:p>
             <a:pPr lvl="1"/>
             <a:r>
-              <a:rPr lang="en-US" dirty="0" smtClean="0"/>
+              <a:rPr lang="en-US" dirty="0"/>
               <a:t>temperature, heat flow</a:t>
             </a:r>
           </a:p>
           <a:p>
             <a:pPr lvl="1"/>
-            <a:endParaRPr lang="en-US" dirty="0" smtClean="0"/>
+            <a:endParaRPr lang="en-US" dirty="0"/>
           </a:p>
           <a:p>
             <a:pPr marL="0" indent="0">
               <a:buNone/>
             </a:pPr>
             <a:r>
-              <a:rPr lang="en-US" b="1" dirty="0" err="1" smtClean="0"/>
+              <a:rPr lang="en-US" b="1" dirty="0" err="1"/>
               <a:t>OsmoticPort</a:t>
             </a:r>
-            <a:endParaRPr lang="en-US" dirty="0" smtClean="0"/>
+            <a:endParaRPr lang="en-US" dirty="0"/>
           </a:p>
           <a:p>
             <a:pPr lvl="1"/>
             <a:r>
-              <a:rPr lang="en-US" dirty="0" smtClean="0"/>
+              <a:rPr lang="en-US" dirty="0"/>
               <a:t>osmolarity, osmotic volumetric flow</a:t>
             </a:r>
           </a:p>
           <a:p>
-            <a:endParaRPr lang="en-US" b="1" dirty="0" smtClean="0"/>
+            <a:endParaRPr lang="en-US" b="1" dirty="0"/>
           </a:p>
           <a:p>
             <a:pPr marL="0" indent="0">
               <a:buNone/>
             </a:pPr>
             <a:r>
-              <a:rPr lang="en-US" b="1" dirty="0" err="1" smtClean="0"/>
+              <a:rPr lang="en-US" b="1" dirty="0" err="1"/>
               <a:t>PopulationPort</a:t>
             </a:r>
             <a:endParaRPr lang="en-US" dirty="0"/>
@@ -6179,14 +6039,13 @@
           <a:p>
             <a:pPr lvl="1"/>
             <a:r>
-              <a:rPr lang="en-US" dirty="0" smtClean="0"/>
+              <a:rPr lang="en-US" dirty="0"/>
               <a:t>size of population, change of population</a:t>
             </a:r>
+          </a:p>
+          <a:p>
+            <a:pPr lvl="1"/>
             <a:endParaRPr lang="en-US" dirty="0"/>
-          </a:p>
-          <a:p>
-            <a:pPr lvl="1"/>
-            <a:endParaRPr lang="en-US" dirty="0" smtClean="0"/>
           </a:p>
         </p:txBody>
       </p:sp>
@@ -6207,7 +6066,7 @@
         </p:blipFill>
         <p:spPr bwMode="auto">
           <a:xfrm>
-            <a:off x="830909" y="1221828"/>
+            <a:off x="827583" y="1258325"/>
             <a:ext cx="905637" cy="432048"/>
           </a:xfrm>
           <a:prstGeom prst="rect">
@@ -6329,13 +6188,6 @@
   <p:clrMapOvr>
     <a:masterClrMapping/>
   </p:clrMapOvr>
-  <p:timing>
-    <p:tnLst>
-      <p:par>
-        <p:cTn id="1" dur="indefinite" restart="never" nodeType="tmRoot"/>
-      </p:par>
-    </p:tnLst>
-  </p:timing>
 </p:sld>
 </file>
 
@@ -6401,7 +6253,7 @@
           <a:lstStyle/>
           <a:p>
             <a:r>
-              <a:rPr lang="en-US" dirty="0" smtClean="0"/>
+              <a:rPr lang="en-US" dirty="0"/>
               <a:t>Chemical</a:t>
             </a:r>
             <a:endParaRPr lang="cs-CZ" dirty="0"/>
@@ -6597,13 +6449,6 @@
   <p:clrMapOvr>
     <a:masterClrMapping/>
   </p:clrMapOvr>
-  <p:timing>
-    <p:tnLst>
-      <p:par>
-        <p:cTn id="1" dur="indefinite" restart="never" nodeType="tmRoot"/>
-      </p:par>
-    </p:tnLst>
-  </p:timing>
 </p:sld>
 </file>
 
@@ -6672,7 +6517,7 @@
           <a:lstStyle/>
           <a:p>
             <a:r>
-              <a:rPr lang="en-US" dirty="0" smtClean="0"/>
+              <a:rPr lang="en-US" dirty="0"/>
               <a:t>CONDITIONAL INPUTS</a:t>
             </a:r>
             <a:endParaRPr lang="cs-CZ" dirty="0"/>
@@ -7138,13 +6983,6 @@
   <p:clrMapOvr>
     <a:masterClrMapping/>
   </p:clrMapOvr>
-  <p:timing>
-    <p:tnLst>
-      <p:par>
-        <p:cTn id="1" dur="indefinite" restart="never" nodeType="tmRoot"/>
-      </p:par>
-    </p:tnLst>
-  </p:timing>
 </p:sld>
 </file>
 
